--- a/docs/pitch_final.pptx
+++ b/docs/pitch_final.pptx
@@ -1,20 +1,22 @@
 
 <file path=ppt/presentation.xml><?xml version="1.0" encoding="utf-8"?>
-<p:presentation xmlns:a="http://schemas.openxmlformats.org/drawingml/2006/main" xmlns:r="http://schemas.openxmlformats.org/officeDocument/2006/relationships" xmlns:mc="http://schemas.openxmlformats.org/markup-compatibility/2006" xmlns:mv="urn:schemas-microsoft-com:mac:vml" xmlns:p="http://schemas.openxmlformats.org/presentationml/2006/main" mc:Ignorable="mv" mc:PreserveAttributes="mv:*" saveSubsetFonts="1" autoCompressPictures="0">
+<p:presentation xmlns:a="http://schemas.openxmlformats.org/drawingml/2006/main" xmlns:r="http://schemas.openxmlformats.org/officeDocument/2006/relationships" xmlns:mc="http://schemas.openxmlformats.org/markup-compatibility/2006" xmlns:mv="urn:schemas-microsoft-com:mac:vml" xmlns:p="http://schemas.openxmlformats.org/presentationml/2006/main" mc:Ignorable="mv" mc:PreserveAttributes="mv:*" saveSubsetFonts="1">
   <p:sldMasterIdLst>
     <p:sldMasterId id="2147483648" r:id="rId1"/>
   </p:sldMasterIdLst>
   <p:notesMasterIdLst>
-    <p:notesMasterId r:id="rId9"/>
+    <p:notesMasterId r:id="rId11"/>
   </p:notesMasterIdLst>
   <p:sldIdLst>
-    <p:sldId id="260" r:id="rId2"/>
-    <p:sldId id="261" r:id="rId3"/>
-    <p:sldId id="263" r:id="rId4"/>
-    <p:sldId id="262" r:id="rId5"/>
-    <p:sldId id="257" r:id="rId6"/>
-    <p:sldId id="258" r:id="rId7"/>
-    <p:sldId id="259" r:id="rId8"/>
+    <p:sldId id="256" r:id="rId2"/>
+    <p:sldId id="257" r:id="rId3"/>
+    <p:sldId id="258" r:id="rId4"/>
+    <p:sldId id="259" r:id="rId5"/>
+    <p:sldId id="260" r:id="rId6"/>
+    <p:sldId id="261" r:id="rId7"/>
+    <p:sldId id="262" r:id="rId8"/>
+    <p:sldId id="263" r:id="rId9"/>
+    <p:sldId id="264" r:id="rId10"/>
   </p:sldIdLst>
   <p:sldSz cx="9144000" cy="6858000" type="screen4x3"/>
   <p:notesSz cx="6858000" cy="9144000"/>
@@ -22,7 +24,7 @@
     <a:defPPr>
       <a:defRPr lang="en-US"/>
     </a:defPPr>
-    <a:lvl1pPr marL="0" algn="l" defTabSz="457200" rtl="0" eaLnBrk="1" latinLnBrk="0" hangingPunct="1">
+    <a:lvl1pPr marL="0" algn="l" defTabSz="914400" rtl="0" eaLnBrk="1" latinLnBrk="0" hangingPunct="1">
       <a:defRPr sz="1800" kern="1200">
         <a:solidFill>
           <a:schemeClr val="tx1"/>
@@ -32,7 +34,7 @@
         <a:cs typeface="+mn-cs"/>
       </a:defRPr>
     </a:lvl1pPr>
-    <a:lvl2pPr marL="457200" algn="l" defTabSz="457200" rtl="0" eaLnBrk="1" latinLnBrk="0" hangingPunct="1">
+    <a:lvl2pPr marL="457200" algn="l" defTabSz="914400" rtl="0" eaLnBrk="1" latinLnBrk="0" hangingPunct="1">
       <a:defRPr sz="1800" kern="1200">
         <a:solidFill>
           <a:schemeClr val="tx1"/>
@@ -42,7 +44,7 @@
         <a:cs typeface="+mn-cs"/>
       </a:defRPr>
     </a:lvl2pPr>
-    <a:lvl3pPr marL="914400" algn="l" defTabSz="457200" rtl="0" eaLnBrk="1" latinLnBrk="0" hangingPunct="1">
+    <a:lvl3pPr marL="914400" algn="l" defTabSz="914400" rtl="0" eaLnBrk="1" latinLnBrk="0" hangingPunct="1">
       <a:defRPr sz="1800" kern="1200">
         <a:solidFill>
           <a:schemeClr val="tx1"/>
@@ -52,7 +54,7 @@
         <a:cs typeface="+mn-cs"/>
       </a:defRPr>
     </a:lvl3pPr>
-    <a:lvl4pPr marL="1371600" algn="l" defTabSz="457200" rtl="0" eaLnBrk="1" latinLnBrk="0" hangingPunct="1">
+    <a:lvl4pPr marL="1371600" algn="l" defTabSz="914400" rtl="0" eaLnBrk="1" latinLnBrk="0" hangingPunct="1">
       <a:defRPr sz="1800" kern="1200">
         <a:solidFill>
           <a:schemeClr val="tx1"/>
@@ -62,7 +64,7 @@
         <a:cs typeface="+mn-cs"/>
       </a:defRPr>
     </a:lvl4pPr>
-    <a:lvl5pPr marL="1828800" algn="l" defTabSz="457200" rtl="0" eaLnBrk="1" latinLnBrk="0" hangingPunct="1">
+    <a:lvl5pPr marL="1828800" algn="l" defTabSz="914400" rtl="0" eaLnBrk="1" latinLnBrk="0" hangingPunct="1">
       <a:defRPr sz="1800" kern="1200">
         <a:solidFill>
           <a:schemeClr val="tx1"/>
@@ -72,7 +74,7 @@
         <a:cs typeface="+mn-cs"/>
       </a:defRPr>
     </a:lvl5pPr>
-    <a:lvl6pPr marL="2286000" algn="l" defTabSz="457200" rtl="0" eaLnBrk="1" latinLnBrk="0" hangingPunct="1">
+    <a:lvl6pPr marL="2286000" algn="l" defTabSz="914400" rtl="0" eaLnBrk="1" latinLnBrk="0" hangingPunct="1">
       <a:defRPr sz="1800" kern="1200">
         <a:solidFill>
           <a:schemeClr val="tx1"/>
@@ -82,7 +84,7 @@
         <a:cs typeface="+mn-cs"/>
       </a:defRPr>
     </a:lvl6pPr>
-    <a:lvl7pPr marL="2743200" algn="l" defTabSz="457200" rtl="0" eaLnBrk="1" latinLnBrk="0" hangingPunct="1">
+    <a:lvl7pPr marL="2743200" algn="l" defTabSz="914400" rtl="0" eaLnBrk="1" latinLnBrk="0" hangingPunct="1">
       <a:defRPr sz="1800" kern="1200">
         <a:solidFill>
           <a:schemeClr val="tx1"/>
@@ -92,7 +94,7 @@
         <a:cs typeface="+mn-cs"/>
       </a:defRPr>
     </a:lvl7pPr>
-    <a:lvl8pPr marL="3200400" algn="l" defTabSz="457200" rtl="0" eaLnBrk="1" latinLnBrk="0" hangingPunct="1">
+    <a:lvl8pPr marL="3200400" algn="l" defTabSz="914400" rtl="0" eaLnBrk="1" latinLnBrk="0" hangingPunct="1">
       <a:defRPr sz="1800" kern="1200">
         <a:solidFill>
           <a:schemeClr val="tx1"/>
@@ -102,7 +104,7 @@
         <a:cs typeface="+mn-cs"/>
       </a:defRPr>
     </a:lvl8pPr>
-    <a:lvl9pPr marL="3657600" algn="l" defTabSz="457200" rtl="0" eaLnBrk="1" latinLnBrk="0" hangingPunct="1">
+    <a:lvl9pPr marL="3657600" algn="l" defTabSz="914400" rtl="0" eaLnBrk="1" latinLnBrk="0" hangingPunct="1">
       <a:defRPr sz="1800" kern="1200">
         <a:solidFill>
           <a:schemeClr val="tx1"/>
@@ -196,9 +198,8 @@
             </a:lvl1pPr>
           </a:lstStyle>
           <a:p>
-            <a:fld id="{BFCB003F-D471-D245-B00B-10DB5952706F}" type="datetimeFigureOut">
-              <a:rPr lang="en-US" smtClean="0"/>
-              <a:pPr/>
+            <a:fld id="{E4E8B14D-0099-7C42-A72A-E36358492BC5}" type="datetimeFigureOut">
+              <a:rPr lang="en-US" smtClean="0"/>
               <a:t>11/6/13</a:t>
             </a:fld>
             <a:endParaRPr lang="en-US"/>
@@ -258,7 +259,9 @@
           </a:prstGeom>
         </p:spPr>
         <p:txBody>
-          <a:bodyPr vert="horz" lIns="91440" tIns="45720" rIns="91440" bIns="45720" rtlCol="0"/>
+          <a:bodyPr vert="horz" lIns="91440" tIns="45720" rIns="91440" bIns="45720" rtlCol="0">
+            <a:normAutofit/>
+          </a:bodyPr>
           <a:lstStyle/>
           <a:p>
             <a:pPr lvl="0"/>
@@ -356,9 +359,8 @@
             </a:lvl1pPr>
           </a:lstStyle>
           <a:p>
-            <a:fld id="{3422745D-A8DB-2142-B751-EDD04883941F}" type="slidenum">
-              <a:rPr lang="en-US" smtClean="0"/>
-              <a:pPr/>
+            <a:fld id="{004647A1-2857-B54A-B82A-A68665428DB5}" type="slidenum">
+              <a:rPr lang="en-US" smtClean="0"/>
               <a:t>‹#›</a:t>
             </a:fld>
             <a:endParaRPr lang="en-US"/>
@@ -366,11 +368,6 @@
         </p:txBody>
       </p:sp>
     </p:spTree>
-    <p:extLst>
-      <p:ext uri="{BB962C8B-B14F-4D97-AF65-F5344CB8AC3E}">
-        <p14:creationId xmlns:p14="http://schemas.microsoft.com/office/powerpoint/2010/main" xmlns:p="http://schemas.openxmlformats.org/presentationml/2006/main" xmlns:r="http://schemas.openxmlformats.org/officeDocument/2006/relationships" xmlns:a="http://schemas.openxmlformats.org/drawingml/2006/main" xmlns="" val="4120358394"/>
-      </p:ext>
-    </p:extLst>
   </p:cSld>
   <p:clrMap bg1="lt1" tx1="dk1" bg2="lt2" tx2="dk2" accent1="accent1" accent2="accent2" accent3="accent3" accent4="accent4" accent5="accent5" accent6="accent6" hlink="hlink" folHlink="folHlink"/>
   <p:notesStyle>
@@ -561,7 +558,7 @@
             <a:fld id="{3422745D-A8DB-2142-B751-EDD04883941F}" type="slidenum">
               <a:rPr lang="en-US" smtClean="0"/>
               <a:pPr/>
-              <a:t>1</a:t>
+              <a:t>3</a:t>
             </a:fld>
             <a:endParaRPr lang="en-US"/>
           </a:p>
@@ -570,7 +567,7 @@
     </p:spTree>
     <p:extLst>
       <p:ext uri="{BB962C8B-B14F-4D97-AF65-F5344CB8AC3E}">
-        <p14:creationId xmlns:p14="http://schemas.microsoft.com/office/powerpoint/2010/main" xmlns:p="http://schemas.openxmlformats.org/presentationml/2006/main" xmlns:r="http://schemas.openxmlformats.org/officeDocument/2006/relationships" xmlns:a="http://schemas.openxmlformats.org/drawingml/2006/main" xmlns="" val="841717357"/>
+        <p14:creationId xmlns="" xmlns:a="http://schemas.openxmlformats.org/drawingml/2006/main" xmlns:r="http://schemas.openxmlformats.org/officeDocument/2006/relationships" xmlns:p="http://schemas.openxmlformats.org/presentationml/2006/main" xmlns:p14="http://schemas.microsoft.com/office/powerpoint/2010/main" xmlns:mv="urn:schemas-microsoft-com:mac:vml" xmlns:mc="http://schemas.openxmlformats.org/markup-compatibility/2006" val="841717357"/>
       </p:ext>
     </p:extLst>
   </p:cSld>
@@ -673,7 +670,7 @@
             <a:fld id="{3422745D-A8DB-2142-B751-EDD04883941F}" type="slidenum">
               <a:rPr lang="en-US" smtClean="0"/>
               <a:pPr/>
-              <a:t>2</a:t>
+              <a:t>4</a:t>
             </a:fld>
             <a:endParaRPr lang="en-US"/>
           </a:p>
@@ -682,7 +679,7 @@
     </p:spTree>
     <p:extLst>
       <p:ext uri="{BB962C8B-B14F-4D97-AF65-F5344CB8AC3E}">
-        <p14:creationId xmlns:p14="http://schemas.microsoft.com/office/powerpoint/2010/main" xmlns:p="http://schemas.openxmlformats.org/presentationml/2006/main" xmlns:r="http://schemas.openxmlformats.org/officeDocument/2006/relationships" xmlns:a="http://schemas.openxmlformats.org/drawingml/2006/main" xmlns="" val="841717357"/>
+        <p14:creationId xmlns="" xmlns:a="http://schemas.openxmlformats.org/drawingml/2006/main" xmlns:r="http://schemas.openxmlformats.org/officeDocument/2006/relationships" xmlns:p="http://schemas.openxmlformats.org/presentationml/2006/main" xmlns:p14="http://schemas.microsoft.com/office/powerpoint/2010/main" xmlns:mv="urn:schemas-microsoft-com:mac:vml" xmlns:mc="http://schemas.openxmlformats.org/markup-compatibility/2006" val="841717357"/>
       </p:ext>
     </p:extLst>
   </p:cSld>
@@ -785,7 +782,7 @@
             <a:fld id="{3422745D-A8DB-2142-B751-EDD04883941F}" type="slidenum">
               <a:rPr lang="en-US" smtClean="0"/>
               <a:pPr/>
-              <a:t>3</a:t>
+              <a:t>5</a:t>
             </a:fld>
             <a:endParaRPr lang="en-US"/>
           </a:p>
@@ -794,7 +791,7 @@
     </p:spTree>
     <p:extLst>
       <p:ext uri="{BB962C8B-B14F-4D97-AF65-F5344CB8AC3E}">
-        <p14:creationId xmlns:p14="http://schemas.microsoft.com/office/powerpoint/2010/main" xmlns:p="http://schemas.openxmlformats.org/presentationml/2006/main" xmlns:r="http://schemas.openxmlformats.org/officeDocument/2006/relationships" xmlns:a="http://schemas.openxmlformats.org/drawingml/2006/main" xmlns="" val="841717357"/>
+        <p14:creationId xmlns="" xmlns:a="http://schemas.openxmlformats.org/drawingml/2006/main" xmlns:r="http://schemas.openxmlformats.org/officeDocument/2006/relationships" xmlns:p="http://schemas.openxmlformats.org/presentationml/2006/main" xmlns:p14="http://schemas.microsoft.com/office/powerpoint/2010/main" xmlns:mv="urn:schemas-microsoft-com:mac:vml" xmlns:mc="http://schemas.openxmlformats.org/markup-compatibility/2006" val="841717357"/>
       </p:ext>
     </p:extLst>
   </p:cSld>
@@ -897,7 +894,7 @@
             <a:fld id="{3422745D-A8DB-2142-B751-EDD04883941F}" type="slidenum">
               <a:rPr lang="en-US" smtClean="0"/>
               <a:pPr/>
-              <a:t>4</a:t>
+              <a:t>6</a:t>
             </a:fld>
             <a:endParaRPr lang="en-US"/>
           </a:p>
@@ -906,7 +903,7 @@
     </p:spTree>
     <p:extLst>
       <p:ext uri="{BB962C8B-B14F-4D97-AF65-F5344CB8AC3E}">
-        <p14:creationId xmlns:p14="http://schemas.microsoft.com/office/powerpoint/2010/main" xmlns:p="http://schemas.openxmlformats.org/presentationml/2006/main" xmlns:r="http://schemas.openxmlformats.org/officeDocument/2006/relationships" xmlns:a="http://schemas.openxmlformats.org/drawingml/2006/main" xmlns="" val="841717357"/>
+        <p14:creationId xmlns="" xmlns:a="http://schemas.openxmlformats.org/drawingml/2006/main" xmlns:r="http://schemas.openxmlformats.org/officeDocument/2006/relationships" xmlns:p="http://schemas.openxmlformats.org/presentationml/2006/main" xmlns:p14="http://schemas.microsoft.com/office/powerpoint/2010/main" xmlns:mv="urn:schemas-microsoft-com:mac:vml" xmlns:mc="http://schemas.openxmlformats.org/markup-compatibility/2006" val="841717357"/>
       </p:ext>
     </p:extLst>
   </p:cSld>
@@ -1095,7 +1092,7 @@
           <a:bodyPr/>
           <a:lstStyle/>
           <a:p>
-            <a:fld id="{4532B801-1E1E-094D-8CF7-94CEDF6B6976}" type="datetimeFigureOut">
+            <a:fld id="{90F82F97-9FEA-4842-8171-463A1381337A}" type="datetimeFigureOut">
               <a:rPr lang="en-US" smtClean="0"/>
               <a:pPr/>
               <a:t>11/6/13</a:t>
@@ -1138,7 +1135,7 @@
           <a:bodyPr/>
           <a:lstStyle/>
           <a:p>
-            <a:fld id="{0AE47B3F-43F1-064A-82AC-7910A3A0D565}" type="slidenum">
+            <a:fld id="{5707E9E2-0657-4393-AB61-E4179E6BF415}" type="slidenum">
               <a:rPr lang="en-US" smtClean="0"/>
               <a:pPr/>
               <a:t>‹#›</a:t>
@@ -1150,7 +1147,7 @@
     </p:spTree>
     <p:extLst>
       <p:ext uri="{BB962C8B-B14F-4D97-AF65-F5344CB8AC3E}">
-        <p14:creationId xmlns:p14="http://schemas.microsoft.com/office/powerpoint/2010/main" xmlns:p="http://schemas.openxmlformats.org/presentationml/2006/main" xmlns:r="http://schemas.openxmlformats.org/officeDocument/2006/relationships" xmlns:a="http://schemas.openxmlformats.org/drawingml/2006/main" xmlns="" val="3732936939"/>
+        <p14:creationId xmlns:p14="http://schemas.microsoft.com/office/powerpoint/2010/main" xmlns:p="http://schemas.openxmlformats.org/presentationml/2006/main" xmlns:r="http://schemas.openxmlformats.org/officeDocument/2006/relationships" xmlns:a="http://schemas.openxmlformats.org/drawingml/2006/main" xmlns="" val="3418496064"/>
       </p:ext>
     </p:extLst>
   </p:cSld>
@@ -1267,7 +1264,7 @@
           <a:bodyPr/>
           <a:lstStyle/>
           <a:p>
-            <a:fld id="{4532B801-1E1E-094D-8CF7-94CEDF6B6976}" type="datetimeFigureOut">
+            <a:fld id="{90F82F97-9FEA-4842-8171-463A1381337A}" type="datetimeFigureOut">
               <a:rPr lang="en-US" smtClean="0"/>
               <a:pPr/>
               <a:t>11/6/13</a:t>
@@ -1310,7 +1307,7 @@
           <a:bodyPr/>
           <a:lstStyle/>
           <a:p>
-            <a:fld id="{0AE47B3F-43F1-064A-82AC-7910A3A0D565}" type="slidenum">
+            <a:fld id="{5707E9E2-0657-4393-AB61-E4179E6BF415}" type="slidenum">
               <a:rPr lang="en-US" smtClean="0"/>
               <a:pPr/>
               <a:t>‹#›</a:t>
@@ -1322,7 +1319,7 @@
     </p:spTree>
     <p:extLst>
       <p:ext uri="{BB962C8B-B14F-4D97-AF65-F5344CB8AC3E}">
-        <p14:creationId xmlns:p14="http://schemas.microsoft.com/office/powerpoint/2010/main" xmlns:p="http://schemas.openxmlformats.org/presentationml/2006/main" xmlns:r="http://schemas.openxmlformats.org/officeDocument/2006/relationships" xmlns:a="http://schemas.openxmlformats.org/drawingml/2006/main" xmlns="" val="2630808759"/>
+        <p14:creationId xmlns:p14="http://schemas.microsoft.com/office/powerpoint/2010/main" xmlns:p="http://schemas.openxmlformats.org/presentationml/2006/main" xmlns:r="http://schemas.openxmlformats.org/officeDocument/2006/relationships" xmlns:a="http://schemas.openxmlformats.org/drawingml/2006/main" xmlns="" val="1248035711"/>
       </p:ext>
     </p:extLst>
   </p:cSld>
@@ -1449,7 +1446,7 @@
           <a:bodyPr/>
           <a:lstStyle/>
           <a:p>
-            <a:fld id="{4532B801-1E1E-094D-8CF7-94CEDF6B6976}" type="datetimeFigureOut">
+            <a:fld id="{90F82F97-9FEA-4842-8171-463A1381337A}" type="datetimeFigureOut">
               <a:rPr lang="en-US" smtClean="0"/>
               <a:pPr/>
               <a:t>11/6/13</a:t>
@@ -1492,7 +1489,7 @@
           <a:bodyPr/>
           <a:lstStyle/>
           <a:p>
-            <a:fld id="{0AE47B3F-43F1-064A-82AC-7910A3A0D565}" type="slidenum">
+            <a:fld id="{5707E9E2-0657-4393-AB61-E4179E6BF415}" type="slidenum">
               <a:rPr lang="en-US" smtClean="0"/>
               <a:pPr/>
               <a:t>‹#›</a:t>
@@ -1504,7 +1501,7 @@
     </p:spTree>
     <p:extLst>
       <p:ext uri="{BB962C8B-B14F-4D97-AF65-F5344CB8AC3E}">
-        <p14:creationId xmlns:p14="http://schemas.microsoft.com/office/powerpoint/2010/main" xmlns:p="http://schemas.openxmlformats.org/presentationml/2006/main" xmlns:r="http://schemas.openxmlformats.org/officeDocument/2006/relationships" xmlns:a="http://schemas.openxmlformats.org/drawingml/2006/main" xmlns="" val="1913343058"/>
+        <p14:creationId xmlns:p14="http://schemas.microsoft.com/office/powerpoint/2010/main" xmlns:p="http://schemas.openxmlformats.org/presentationml/2006/main" xmlns:r="http://schemas.openxmlformats.org/officeDocument/2006/relationships" xmlns:a="http://schemas.openxmlformats.org/drawingml/2006/main" xmlns="" val="1506015141"/>
       </p:ext>
     </p:extLst>
   </p:cSld>
@@ -1621,7 +1618,7 @@
           <a:bodyPr/>
           <a:lstStyle/>
           <a:p>
-            <a:fld id="{4532B801-1E1E-094D-8CF7-94CEDF6B6976}" type="datetimeFigureOut">
+            <a:fld id="{90F82F97-9FEA-4842-8171-463A1381337A}" type="datetimeFigureOut">
               <a:rPr lang="en-US" smtClean="0"/>
               <a:pPr/>
               <a:t>11/6/13</a:t>
@@ -1664,7 +1661,7 @@
           <a:bodyPr/>
           <a:lstStyle/>
           <a:p>
-            <a:fld id="{0AE47B3F-43F1-064A-82AC-7910A3A0D565}" type="slidenum">
+            <a:fld id="{5707E9E2-0657-4393-AB61-E4179E6BF415}" type="slidenum">
               <a:rPr lang="en-US" smtClean="0"/>
               <a:pPr/>
               <a:t>‹#›</a:t>
@@ -1676,7 +1673,7 @@
     </p:spTree>
     <p:extLst>
       <p:ext uri="{BB962C8B-B14F-4D97-AF65-F5344CB8AC3E}">
-        <p14:creationId xmlns:p14="http://schemas.microsoft.com/office/powerpoint/2010/main" xmlns:p="http://schemas.openxmlformats.org/presentationml/2006/main" xmlns:r="http://schemas.openxmlformats.org/officeDocument/2006/relationships" xmlns:a="http://schemas.openxmlformats.org/drawingml/2006/main" xmlns="" val="889152520"/>
+        <p14:creationId xmlns:p14="http://schemas.microsoft.com/office/powerpoint/2010/main" xmlns:p="http://schemas.openxmlformats.org/presentationml/2006/main" xmlns:r="http://schemas.openxmlformats.org/officeDocument/2006/relationships" xmlns:a="http://schemas.openxmlformats.org/drawingml/2006/main" xmlns="" val="2620762753"/>
       </p:ext>
     </p:extLst>
   </p:cSld>
@@ -1869,7 +1866,7 @@
           <a:bodyPr/>
           <a:lstStyle/>
           <a:p>
-            <a:fld id="{4532B801-1E1E-094D-8CF7-94CEDF6B6976}" type="datetimeFigureOut">
+            <a:fld id="{90F82F97-9FEA-4842-8171-463A1381337A}" type="datetimeFigureOut">
               <a:rPr lang="en-US" smtClean="0"/>
               <a:pPr/>
               <a:t>11/6/13</a:t>
@@ -1912,7 +1909,7 @@
           <a:bodyPr/>
           <a:lstStyle/>
           <a:p>
-            <a:fld id="{0AE47B3F-43F1-064A-82AC-7910A3A0D565}" type="slidenum">
+            <a:fld id="{5707E9E2-0657-4393-AB61-E4179E6BF415}" type="slidenum">
               <a:rPr lang="en-US" smtClean="0"/>
               <a:pPr/>
               <a:t>‹#›</a:t>
@@ -1924,7 +1921,7 @@
     </p:spTree>
     <p:extLst>
       <p:ext uri="{BB962C8B-B14F-4D97-AF65-F5344CB8AC3E}">
-        <p14:creationId xmlns:p14="http://schemas.microsoft.com/office/powerpoint/2010/main" xmlns:p="http://schemas.openxmlformats.org/presentationml/2006/main" xmlns:r="http://schemas.openxmlformats.org/officeDocument/2006/relationships" xmlns:a="http://schemas.openxmlformats.org/drawingml/2006/main" xmlns="" val="1953244018"/>
+        <p14:creationId xmlns:p14="http://schemas.microsoft.com/office/powerpoint/2010/main" xmlns:p="http://schemas.openxmlformats.org/presentationml/2006/main" xmlns:r="http://schemas.openxmlformats.org/officeDocument/2006/relationships" xmlns:a="http://schemas.openxmlformats.org/drawingml/2006/main" xmlns="" val="626384738"/>
       </p:ext>
     </p:extLst>
   </p:cSld>
@@ -2159,7 +2156,7 @@
           <a:bodyPr/>
           <a:lstStyle/>
           <a:p>
-            <a:fld id="{4532B801-1E1E-094D-8CF7-94CEDF6B6976}" type="datetimeFigureOut">
+            <a:fld id="{90F82F97-9FEA-4842-8171-463A1381337A}" type="datetimeFigureOut">
               <a:rPr lang="en-US" smtClean="0"/>
               <a:pPr/>
               <a:t>11/6/13</a:t>
@@ -2202,7 +2199,7 @@
           <a:bodyPr/>
           <a:lstStyle/>
           <a:p>
-            <a:fld id="{0AE47B3F-43F1-064A-82AC-7910A3A0D565}" type="slidenum">
+            <a:fld id="{5707E9E2-0657-4393-AB61-E4179E6BF415}" type="slidenum">
               <a:rPr lang="en-US" smtClean="0"/>
               <a:pPr/>
               <a:t>‹#›</a:t>
@@ -2214,7 +2211,7 @@
     </p:spTree>
     <p:extLst>
       <p:ext uri="{BB962C8B-B14F-4D97-AF65-F5344CB8AC3E}">
-        <p14:creationId xmlns:p14="http://schemas.microsoft.com/office/powerpoint/2010/main" xmlns:p="http://schemas.openxmlformats.org/presentationml/2006/main" xmlns:r="http://schemas.openxmlformats.org/officeDocument/2006/relationships" xmlns:a="http://schemas.openxmlformats.org/drawingml/2006/main" xmlns="" val="2272836290"/>
+        <p14:creationId xmlns:p14="http://schemas.microsoft.com/office/powerpoint/2010/main" xmlns:p="http://schemas.openxmlformats.org/presentationml/2006/main" xmlns:r="http://schemas.openxmlformats.org/officeDocument/2006/relationships" xmlns:a="http://schemas.openxmlformats.org/drawingml/2006/main" xmlns="" val="3694809878"/>
       </p:ext>
     </p:extLst>
   </p:cSld>
@@ -2583,7 +2580,7 @@
           <a:bodyPr/>
           <a:lstStyle/>
           <a:p>
-            <a:fld id="{4532B801-1E1E-094D-8CF7-94CEDF6B6976}" type="datetimeFigureOut">
+            <a:fld id="{90F82F97-9FEA-4842-8171-463A1381337A}" type="datetimeFigureOut">
               <a:rPr lang="en-US" smtClean="0"/>
               <a:pPr/>
               <a:t>11/6/13</a:t>
@@ -2626,7 +2623,7 @@
           <a:bodyPr/>
           <a:lstStyle/>
           <a:p>
-            <a:fld id="{0AE47B3F-43F1-064A-82AC-7910A3A0D565}" type="slidenum">
+            <a:fld id="{5707E9E2-0657-4393-AB61-E4179E6BF415}" type="slidenum">
               <a:rPr lang="en-US" smtClean="0"/>
               <a:pPr/>
               <a:t>‹#›</a:t>
@@ -2638,7 +2635,7 @@
     </p:spTree>
     <p:extLst>
       <p:ext uri="{BB962C8B-B14F-4D97-AF65-F5344CB8AC3E}">
-        <p14:creationId xmlns:p14="http://schemas.microsoft.com/office/powerpoint/2010/main" xmlns:p="http://schemas.openxmlformats.org/presentationml/2006/main" xmlns:r="http://schemas.openxmlformats.org/officeDocument/2006/relationships" xmlns:a="http://schemas.openxmlformats.org/drawingml/2006/main" xmlns="" val="2897754770"/>
+        <p14:creationId xmlns:p14="http://schemas.microsoft.com/office/powerpoint/2010/main" xmlns:p="http://schemas.openxmlformats.org/presentationml/2006/main" xmlns:r="http://schemas.openxmlformats.org/officeDocument/2006/relationships" xmlns:a="http://schemas.openxmlformats.org/drawingml/2006/main" xmlns="" val="2035736224"/>
       </p:ext>
     </p:extLst>
   </p:cSld>
@@ -2703,7 +2700,7 @@
           <a:bodyPr/>
           <a:lstStyle/>
           <a:p>
-            <a:fld id="{4532B801-1E1E-094D-8CF7-94CEDF6B6976}" type="datetimeFigureOut">
+            <a:fld id="{90F82F97-9FEA-4842-8171-463A1381337A}" type="datetimeFigureOut">
               <a:rPr lang="en-US" smtClean="0"/>
               <a:pPr/>
               <a:t>11/6/13</a:t>
@@ -2746,7 +2743,7 @@
           <a:bodyPr/>
           <a:lstStyle/>
           <a:p>
-            <a:fld id="{0AE47B3F-43F1-064A-82AC-7910A3A0D565}" type="slidenum">
+            <a:fld id="{5707E9E2-0657-4393-AB61-E4179E6BF415}" type="slidenum">
               <a:rPr lang="en-US" smtClean="0"/>
               <a:pPr/>
               <a:t>‹#›</a:t>
@@ -2758,7 +2755,7 @@
     </p:spTree>
     <p:extLst>
       <p:ext uri="{BB962C8B-B14F-4D97-AF65-F5344CB8AC3E}">
-        <p14:creationId xmlns:p14="http://schemas.microsoft.com/office/powerpoint/2010/main" xmlns:p="http://schemas.openxmlformats.org/presentationml/2006/main" xmlns:r="http://schemas.openxmlformats.org/officeDocument/2006/relationships" xmlns:a="http://schemas.openxmlformats.org/drawingml/2006/main" xmlns="" val="3355503140"/>
+        <p14:creationId xmlns:p14="http://schemas.microsoft.com/office/powerpoint/2010/main" xmlns:p="http://schemas.openxmlformats.org/presentationml/2006/main" xmlns:r="http://schemas.openxmlformats.org/officeDocument/2006/relationships" xmlns:a="http://schemas.openxmlformats.org/drawingml/2006/main" xmlns="" val="3818887783"/>
       </p:ext>
     </p:extLst>
   </p:cSld>
@@ -2800,7 +2797,7 @@
           <a:bodyPr/>
           <a:lstStyle/>
           <a:p>
-            <a:fld id="{4532B801-1E1E-094D-8CF7-94CEDF6B6976}" type="datetimeFigureOut">
+            <a:fld id="{90F82F97-9FEA-4842-8171-463A1381337A}" type="datetimeFigureOut">
               <a:rPr lang="en-US" smtClean="0"/>
               <a:pPr/>
               <a:t>11/6/13</a:t>
@@ -2843,7 +2840,7 @@
           <a:bodyPr/>
           <a:lstStyle/>
           <a:p>
-            <a:fld id="{0AE47B3F-43F1-064A-82AC-7910A3A0D565}" type="slidenum">
+            <a:fld id="{5707E9E2-0657-4393-AB61-E4179E6BF415}" type="slidenum">
               <a:rPr lang="en-US" smtClean="0"/>
               <a:pPr/>
               <a:t>‹#›</a:t>
@@ -2855,7 +2852,7 @@
     </p:spTree>
     <p:extLst>
       <p:ext uri="{BB962C8B-B14F-4D97-AF65-F5344CB8AC3E}">
-        <p14:creationId xmlns:p14="http://schemas.microsoft.com/office/powerpoint/2010/main" xmlns:p="http://schemas.openxmlformats.org/presentationml/2006/main" xmlns:r="http://schemas.openxmlformats.org/officeDocument/2006/relationships" xmlns:a="http://schemas.openxmlformats.org/drawingml/2006/main" xmlns="" val="1788751410"/>
+        <p14:creationId xmlns:p14="http://schemas.microsoft.com/office/powerpoint/2010/main" xmlns:p="http://schemas.openxmlformats.org/presentationml/2006/main" xmlns:r="http://schemas.openxmlformats.org/officeDocument/2006/relationships" xmlns:a="http://schemas.openxmlformats.org/drawingml/2006/main" xmlns="" val="1283201062"/>
       </p:ext>
     </p:extLst>
   </p:cSld>
@@ -3079,7 +3076,7 @@
           <a:bodyPr/>
           <a:lstStyle/>
           <a:p>
-            <a:fld id="{4532B801-1E1E-094D-8CF7-94CEDF6B6976}" type="datetimeFigureOut">
+            <a:fld id="{90F82F97-9FEA-4842-8171-463A1381337A}" type="datetimeFigureOut">
               <a:rPr lang="en-US" smtClean="0"/>
               <a:pPr/>
               <a:t>11/6/13</a:t>
@@ -3122,7 +3119,7 @@
           <a:bodyPr/>
           <a:lstStyle/>
           <a:p>
-            <a:fld id="{0AE47B3F-43F1-064A-82AC-7910A3A0D565}" type="slidenum">
+            <a:fld id="{5707E9E2-0657-4393-AB61-E4179E6BF415}" type="slidenum">
               <a:rPr lang="en-US" smtClean="0"/>
               <a:pPr/>
               <a:t>‹#›</a:t>
@@ -3134,7 +3131,7 @@
     </p:spTree>
     <p:extLst>
       <p:ext uri="{BB962C8B-B14F-4D97-AF65-F5344CB8AC3E}">
-        <p14:creationId xmlns:p14="http://schemas.microsoft.com/office/powerpoint/2010/main" xmlns:p="http://schemas.openxmlformats.org/presentationml/2006/main" xmlns:r="http://schemas.openxmlformats.org/officeDocument/2006/relationships" xmlns:a="http://schemas.openxmlformats.org/drawingml/2006/main" xmlns="" val="4103368708"/>
+        <p14:creationId xmlns:p14="http://schemas.microsoft.com/office/powerpoint/2010/main" xmlns:p="http://schemas.openxmlformats.org/presentationml/2006/main" xmlns:r="http://schemas.openxmlformats.org/officeDocument/2006/relationships" xmlns:a="http://schemas.openxmlformats.org/drawingml/2006/main" xmlns="" val="978832447"/>
       </p:ext>
     </p:extLst>
   </p:cSld>
@@ -3334,7 +3331,7 @@
           <a:bodyPr/>
           <a:lstStyle/>
           <a:p>
-            <a:fld id="{4532B801-1E1E-094D-8CF7-94CEDF6B6976}" type="datetimeFigureOut">
+            <a:fld id="{90F82F97-9FEA-4842-8171-463A1381337A}" type="datetimeFigureOut">
               <a:rPr lang="en-US" smtClean="0"/>
               <a:pPr/>
               <a:t>11/6/13</a:t>
@@ -3377,7 +3374,7 @@
           <a:bodyPr/>
           <a:lstStyle/>
           <a:p>
-            <a:fld id="{0AE47B3F-43F1-064A-82AC-7910A3A0D565}" type="slidenum">
+            <a:fld id="{5707E9E2-0657-4393-AB61-E4179E6BF415}" type="slidenum">
               <a:rPr lang="en-US" smtClean="0"/>
               <a:pPr/>
               <a:t>‹#›</a:t>
@@ -3389,7 +3386,7 @@
     </p:spTree>
     <p:extLst>
       <p:ext uri="{BB962C8B-B14F-4D97-AF65-F5344CB8AC3E}">
-        <p14:creationId xmlns:p14="http://schemas.microsoft.com/office/powerpoint/2010/main" xmlns:p="http://schemas.openxmlformats.org/presentationml/2006/main" xmlns:r="http://schemas.openxmlformats.org/officeDocument/2006/relationships" xmlns:a="http://schemas.openxmlformats.org/drawingml/2006/main" xmlns="" val="383864462"/>
+        <p14:creationId xmlns:p14="http://schemas.microsoft.com/office/powerpoint/2010/main" xmlns:p="http://schemas.openxmlformats.org/presentationml/2006/main" xmlns:r="http://schemas.openxmlformats.org/officeDocument/2006/relationships" xmlns:a="http://schemas.openxmlformats.org/drawingml/2006/main" xmlns="" val="2306235155"/>
       </p:ext>
     </p:extLst>
   </p:cSld>
@@ -3549,7 +3546,7 @@
             </a:lvl1pPr>
           </a:lstStyle>
           <a:p>
-            <a:fld id="{4532B801-1E1E-094D-8CF7-94CEDF6B6976}" type="datetimeFigureOut">
+            <a:fld id="{90F82F97-9FEA-4842-8171-463A1381337A}" type="datetimeFigureOut">
               <a:rPr lang="en-US" smtClean="0"/>
               <a:pPr/>
               <a:t>11/6/13</a:t>
@@ -3628,7 +3625,7 @@
             </a:lvl1pPr>
           </a:lstStyle>
           <a:p>
-            <a:fld id="{0AE47B3F-43F1-064A-82AC-7910A3A0D565}" type="slidenum">
+            <a:fld id="{5707E9E2-0657-4393-AB61-E4179E6BF415}" type="slidenum">
               <a:rPr lang="en-US" smtClean="0"/>
               <a:pPr/>
               <a:t>‹#›</a:t>
@@ -3640,7 +3637,7 @@
     </p:spTree>
     <p:extLst>
       <p:ext uri="{BB962C8B-B14F-4D97-AF65-F5344CB8AC3E}">
-        <p14:creationId xmlns:p14="http://schemas.microsoft.com/office/powerpoint/2010/main" xmlns:p="http://schemas.openxmlformats.org/presentationml/2006/main" xmlns:r="http://schemas.openxmlformats.org/officeDocument/2006/relationships" xmlns:a="http://schemas.openxmlformats.org/drawingml/2006/main" xmlns="" val="2620880172"/>
+        <p14:creationId xmlns:p14="http://schemas.microsoft.com/office/powerpoint/2010/main" xmlns:p="http://schemas.openxmlformats.org/presentationml/2006/main" xmlns:r="http://schemas.openxmlformats.org/officeDocument/2006/relationships" xmlns:a="http://schemas.openxmlformats.org/drawingml/2006/main" xmlns="" val="2497657363"/>
       </p:ext>
     </p:extLst>
   </p:cSld>
@@ -3660,7 +3657,7 @@
   </p:sldLayoutIdLst>
   <p:txStyles>
     <p:titleStyle>
-      <a:lvl1pPr algn="ctr" defTabSz="457200" rtl="0" eaLnBrk="1" latinLnBrk="0" hangingPunct="1">
+      <a:lvl1pPr algn="ctr" defTabSz="914400" rtl="0" eaLnBrk="1" latinLnBrk="0" hangingPunct="1">
         <a:spcBef>
           <a:spcPct val="0"/>
         </a:spcBef>
@@ -3676,11 +3673,11 @@
       </a:lvl1pPr>
     </p:titleStyle>
     <p:bodyStyle>
-      <a:lvl1pPr marL="342900" indent="-342900" algn="l" defTabSz="457200" rtl="0" eaLnBrk="1" latinLnBrk="0" hangingPunct="1">
+      <a:lvl1pPr marL="342900" indent="-342900" algn="l" defTabSz="914400" rtl="0" eaLnBrk="1" latinLnBrk="0" hangingPunct="1">
         <a:spcBef>
           <a:spcPct val="20000"/>
         </a:spcBef>
-        <a:buFont typeface="Arial"/>
+        <a:buFont typeface="Arial" panose="020B0604020202020204" pitchFamily="34" charset="0"/>
         <a:buChar char="•"/>
         <a:defRPr sz="3200" kern="1200">
           <a:solidFill>
@@ -3691,11 +3688,11 @@
           <a:cs typeface="+mn-cs"/>
         </a:defRPr>
       </a:lvl1pPr>
-      <a:lvl2pPr marL="742950" indent="-285750" algn="l" defTabSz="457200" rtl="0" eaLnBrk="1" latinLnBrk="0" hangingPunct="1">
+      <a:lvl2pPr marL="742950" indent="-285750" algn="l" defTabSz="914400" rtl="0" eaLnBrk="1" latinLnBrk="0" hangingPunct="1">
         <a:spcBef>
           <a:spcPct val="20000"/>
         </a:spcBef>
-        <a:buFont typeface="Arial"/>
+        <a:buFont typeface="Arial" panose="020B0604020202020204" pitchFamily="34" charset="0"/>
         <a:buChar char="–"/>
         <a:defRPr sz="2800" kern="1200">
           <a:solidFill>
@@ -3706,11 +3703,11 @@
           <a:cs typeface="+mn-cs"/>
         </a:defRPr>
       </a:lvl2pPr>
-      <a:lvl3pPr marL="1143000" indent="-228600" algn="l" defTabSz="457200" rtl="0" eaLnBrk="1" latinLnBrk="0" hangingPunct="1">
+      <a:lvl3pPr marL="1143000" indent="-228600" algn="l" defTabSz="914400" rtl="0" eaLnBrk="1" latinLnBrk="0" hangingPunct="1">
         <a:spcBef>
           <a:spcPct val="20000"/>
         </a:spcBef>
-        <a:buFont typeface="Arial"/>
+        <a:buFont typeface="Arial" panose="020B0604020202020204" pitchFamily="34" charset="0"/>
         <a:buChar char="•"/>
         <a:defRPr sz="2400" kern="1200">
           <a:solidFill>
@@ -3721,11 +3718,11 @@
           <a:cs typeface="+mn-cs"/>
         </a:defRPr>
       </a:lvl3pPr>
-      <a:lvl4pPr marL="1600200" indent="-228600" algn="l" defTabSz="457200" rtl="0" eaLnBrk="1" latinLnBrk="0" hangingPunct="1">
+      <a:lvl4pPr marL="1600200" indent="-228600" algn="l" defTabSz="914400" rtl="0" eaLnBrk="1" latinLnBrk="0" hangingPunct="1">
         <a:spcBef>
           <a:spcPct val="20000"/>
         </a:spcBef>
-        <a:buFont typeface="Arial"/>
+        <a:buFont typeface="Arial" panose="020B0604020202020204" pitchFamily="34" charset="0"/>
         <a:buChar char="–"/>
         <a:defRPr sz="2000" kern="1200">
           <a:solidFill>
@@ -3736,11 +3733,11 @@
           <a:cs typeface="+mn-cs"/>
         </a:defRPr>
       </a:lvl4pPr>
-      <a:lvl5pPr marL="2057400" indent="-228600" algn="l" defTabSz="457200" rtl="0" eaLnBrk="1" latinLnBrk="0" hangingPunct="1">
+      <a:lvl5pPr marL="2057400" indent="-228600" algn="l" defTabSz="914400" rtl="0" eaLnBrk="1" latinLnBrk="0" hangingPunct="1">
         <a:spcBef>
           <a:spcPct val="20000"/>
         </a:spcBef>
-        <a:buFont typeface="Arial"/>
+        <a:buFont typeface="Arial" panose="020B0604020202020204" pitchFamily="34" charset="0"/>
         <a:buChar char="»"/>
         <a:defRPr sz="2000" kern="1200">
           <a:solidFill>
@@ -3751,11 +3748,11 @@
           <a:cs typeface="+mn-cs"/>
         </a:defRPr>
       </a:lvl5pPr>
-      <a:lvl6pPr marL="2514600" indent="-228600" algn="l" defTabSz="457200" rtl="0" eaLnBrk="1" latinLnBrk="0" hangingPunct="1">
+      <a:lvl6pPr marL="2514600" indent="-228600" algn="l" defTabSz="914400" rtl="0" eaLnBrk="1" latinLnBrk="0" hangingPunct="1">
         <a:spcBef>
           <a:spcPct val="20000"/>
         </a:spcBef>
-        <a:buFont typeface="Arial"/>
+        <a:buFont typeface="Arial" panose="020B0604020202020204" pitchFamily="34" charset="0"/>
         <a:buChar char="•"/>
         <a:defRPr sz="2000" kern="1200">
           <a:solidFill>
@@ -3766,11 +3763,11 @@
           <a:cs typeface="+mn-cs"/>
         </a:defRPr>
       </a:lvl6pPr>
-      <a:lvl7pPr marL="2971800" indent="-228600" algn="l" defTabSz="457200" rtl="0" eaLnBrk="1" latinLnBrk="0" hangingPunct="1">
+      <a:lvl7pPr marL="2971800" indent="-228600" algn="l" defTabSz="914400" rtl="0" eaLnBrk="1" latinLnBrk="0" hangingPunct="1">
         <a:spcBef>
           <a:spcPct val="20000"/>
         </a:spcBef>
-        <a:buFont typeface="Arial"/>
+        <a:buFont typeface="Arial" panose="020B0604020202020204" pitchFamily="34" charset="0"/>
         <a:buChar char="•"/>
         <a:defRPr sz="2000" kern="1200">
           <a:solidFill>
@@ -3781,11 +3778,11 @@
           <a:cs typeface="+mn-cs"/>
         </a:defRPr>
       </a:lvl7pPr>
-      <a:lvl8pPr marL="3429000" indent="-228600" algn="l" defTabSz="457200" rtl="0" eaLnBrk="1" latinLnBrk="0" hangingPunct="1">
+      <a:lvl8pPr marL="3429000" indent="-228600" algn="l" defTabSz="914400" rtl="0" eaLnBrk="1" latinLnBrk="0" hangingPunct="1">
         <a:spcBef>
           <a:spcPct val="20000"/>
         </a:spcBef>
-        <a:buFont typeface="Arial"/>
+        <a:buFont typeface="Arial" panose="020B0604020202020204" pitchFamily="34" charset="0"/>
         <a:buChar char="•"/>
         <a:defRPr sz="2000" kern="1200">
           <a:solidFill>
@@ -3796,11 +3793,11 @@
           <a:cs typeface="+mn-cs"/>
         </a:defRPr>
       </a:lvl8pPr>
-      <a:lvl9pPr marL="3886200" indent="-228600" algn="l" defTabSz="457200" rtl="0" eaLnBrk="1" latinLnBrk="0" hangingPunct="1">
+      <a:lvl9pPr marL="3886200" indent="-228600" algn="l" defTabSz="914400" rtl="0" eaLnBrk="1" latinLnBrk="0" hangingPunct="1">
         <a:spcBef>
           <a:spcPct val="20000"/>
         </a:spcBef>
-        <a:buFont typeface="Arial"/>
+        <a:buFont typeface="Arial" panose="020B0604020202020204" pitchFamily="34" charset="0"/>
         <a:buChar char="•"/>
         <a:defRPr sz="2000" kern="1200">
           <a:solidFill>
@@ -3816,7 +3813,7 @@
       <a:defPPr>
         <a:defRPr lang="en-US"/>
       </a:defPPr>
-      <a:lvl1pPr marL="0" algn="l" defTabSz="457200" rtl="0" eaLnBrk="1" latinLnBrk="0" hangingPunct="1">
+      <a:lvl1pPr marL="0" algn="l" defTabSz="914400" rtl="0" eaLnBrk="1" latinLnBrk="0" hangingPunct="1">
         <a:defRPr sz="1800" kern="1200">
           <a:solidFill>
             <a:schemeClr val="tx1"/>
@@ -3826,7 +3823,7 @@
           <a:cs typeface="+mn-cs"/>
         </a:defRPr>
       </a:lvl1pPr>
-      <a:lvl2pPr marL="457200" algn="l" defTabSz="457200" rtl="0" eaLnBrk="1" latinLnBrk="0" hangingPunct="1">
+      <a:lvl2pPr marL="457200" algn="l" defTabSz="914400" rtl="0" eaLnBrk="1" latinLnBrk="0" hangingPunct="1">
         <a:defRPr sz="1800" kern="1200">
           <a:solidFill>
             <a:schemeClr val="tx1"/>
@@ -3836,7 +3833,7 @@
           <a:cs typeface="+mn-cs"/>
         </a:defRPr>
       </a:lvl2pPr>
-      <a:lvl3pPr marL="914400" algn="l" defTabSz="457200" rtl="0" eaLnBrk="1" latinLnBrk="0" hangingPunct="1">
+      <a:lvl3pPr marL="914400" algn="l" defTabSz="914400" rtl="0" eaLnBrk="1" latinLnBrk="0" hangingPunct="1">
         <a:defRPr sz="1800" kern="1200">
           <a:solidFill>
             <a:schemeClr val="tx1"/>
@@ -3846,7 +3843,7 @@
           <a:cs typeface="+mn-cs"/>
         </a:defRPr>
       </a:lvl3pPr>
-      <a:lvl4pPr marL="1371600" algn="l" defTabSz="457200" rtl="0" eaLnBrk="1" latinLnBrk="0" hangingPunct="1">
+      <a:lvl4pPr marL="1371600" algn="l" defTabSz="914400" rtl="0" eaLnBrk="1" latinLnBrk="0" hangingPunct="1">
         <a:defRPr sz="1800" kern="1200">
           <a:solidFill>
             <a:schemeClr val="tx1"/>
@@ -3856,7 +3853,7 @@
           <a:cs typeface="+mn-cs"/>
         </a:defRPr>
       </a:lvl4pPr>
-      <a:lvl5pPr marL="1828800" algn="l" defTabSz="457200" rtl="0" eaLnBrk="1" latinLnBrk="0" hangingPunct="1">
+      <a:lvl5pPr marL="1828800" algn="l" defTabSz="914400" rtl="0" eaLnBrk="1" latinLnBrk="0" hangingPunct="1">
         <a:defRPr sz="1800" kern="1200">
           <a:solidFill>
             <a:schemeClr val="tx1"/>
@@ -3866,7 +3863,7 @@
           <a:cs typeface="+mn-cs"/>
         </a:defRPr>
       </a:lvl5pPr>
-      <a:lvl6pPr marL="2286000" algn="l" defTabSz="457200" rtl="0" eaLnBrk="1" latinLnBrk="0" hangingPunct="1">
+      <a:lvl6pPr marL="2286000" algn="l" defTabSz="914400" rtl="0" eaLnBrk="1" latinLnBrk="0" hangingPunct="1">
         <a:defRPr sz="1800" kern="1200">
           <a:solidFill>
             <a:schemeClr val="tx1"/>
@@ -3876,7 +3873,7 @@
           <a:cs typeface="+mn-cs"/>
         </a:defRPr>
       </a:lvl6pPr>
-      <a:lvl7pPr marL="2743200" algn="l" defTabSz="457200" rtl="0" eaLnBrk="1" latinLnBrk="0" hangingPunct="1">
+      <a:lvl7pPr marL="2743200" algn="l" defTabSz="914400" rtl="0" eaLnBrk="1" latinLnBrk="0" hangingPunct="1">
         <a:defRPr sz="1800" kern="1200">
           <a:solidFill>
             <a:schemeClr val="tx1"/>
@@ -3886,7 +3883,7 @@
           <a:cs typeface="+mn-cs"/>
         </a:defRPr>
       </a:lvl7pPr>
-      <a:lvl8pPr marL="3200400" algn="l" defTabSz="457200" rtl="0" eaLnBrk="1" latinLnBrk="0" hangingPunct="1">
+      <a:lvl8pPr marL="3200400" algn="l" defTabSz="914400" rtl="0" eaLnBrk="1" latinLnBrk="0" hangingPunct="1">
         <a:defRPr sz="1800" kern="1200">
           <a:solidFill>
             <a:schemeClr val="tx1"/>
@@ -3896,7 +3893,7 @@
           <a:cs typeface="+mn-cs"/>
         </a:defRPr>
       </a:lvl8pPr>
-      <a:lvl9pPr marL="3657600" algn="l" defTabSz="457200" rtl="0" eaLnBrk="1" latinLnBrk="0" hangingPunct="1">
+      <a:lvl9pPr marL="3657600" algn="l" defTabSz="914400" rtl="0" eaLnBrk="1" latinLnBrk="0" hangingPunct="1">
         <a:defRPr sz="1800" kern="1200">
           <a:solidFill>
             <a:schemeClr val="tx1"/>
@@ -3935,6 +3932,1975 @@
             <a:spLocks noGrp="1"/>
           </p:cNvSpPr>
           <p:nvPr>
+            <p:ph type="ctrTitle"/>
+          </p:nvPr>
+        </p:nvSpPr>
+        <p:spPr/>
+        <p:txBody>
+          <a:bodyPr/>
+          <a:lstStyle/>
+          <a:p>
+            <a:r>
+              <a:rPr lang="en-US" dirty="0" err="1" smtClean="0"/>
+              <a:t>ByteMap</a:t>
+            </a:r>
+            <a:endParaRPr lang="en-US" dirty="0"/>
+          </a:p>
+        </p:txBody>
+      </p:sp>
+      <p:sp>
+        <p:nvSpPr>
+          <p:cNvPr id="3" name="Subtitle 2"/>
+          <p:cNvSpPr>
+            <a:spLocks noGrp="1"/>
+          </p:cNvSpPr>
+          <p:nvPr>
+            <p:ph type="subTitle" idx="1"/>
+          </p:nvPr>
+        </p:nvSpPr>
+        <p:spPr>
+          <a:xfrm>
+            <a:off x="533400" y="3886200"/>
+            <a:ext cx="8077200" cy="1752600"/>
+          </a:xfrm>
+        </p:spPr>
+        <p:txBody>
+          <a:bodyPr>
+            <a:normAutofit/>
+          </a:bodyPr>
+          <a:lstStyle/>
+          <a:p>
+            <a:r>
+              <a:rPr lang="en-US" dirty="0" smtClean="0"/>
+              <a:t>Team String Quartet: 6.170 Fall 2013</a:t>
+            </a:r>
+          </a:p>
+          <a:p>
+            <a:r>
+              <a:rPr lang="en-US" sz="2600" dirty="0" smtClean="0"/>
+              <a:t>Carrie </a:t>
+            </a:r>
+            <a:r>
+              <a:rPr lang="en-US" sz="2600" dirty="0" err="1" smtClean="0"/>
+              <a:t>Cai</a:t>
+            </a:r>
+            <a:r>
+              <a:rPr lang="en-US" sz="2600" dirty="0" smtClean="0"/>
+              <a:t>, </a:t>
+            </a:r>
+            <a:r>
+              <a:rPr lang="en-US" sz="2600" dirty="0" err="1" smtClean="0"/>
+              <a:t>Ido</a:t>
+            </a:r>
+            <a:r>
+              <a:rPr lang="en-US" sz="2600" dirty="0" smtClean="0"/>
+              <a:t> </a:t>
+            </a:r>
+            <a:r>
+              <a:rPr lang="en-US" sz="2600" dirty="0" err="1" smtClean="0"/>
+              <a:t>Efrati</a:t>
+            </a:r>
+            <a:r>
+              <a:rPr lang="en-US" sz="2600" dirty="0" smtClean="0"/>
+              <a:t>, Cynthia Jing, Nitya Subramanian</a:t>
+            </a:r>
+          </a:p>
+          <a:p>
+            <a:endParaRPr lang="en-US" dirty="0"/>
+          </a:p>
+        </p:txBody>
+      </p:sp>
+      <p:sp>
+        <p:nvSpPr>
+          <p:cNvPr id="4" name="AutoShape 4" descr="https://mail-attachment.googleusercontent.com/attachment/u/0/?ui=2&amp;ik=9257f36a56&amp;view=att&amp;th=1422b121e371a88e&amp;attid=0.1&amp;disp=inline&amp;safe=1&amp;zw&amp;saduie=AG9B_P8R4Ay1vHP5KGEPQMYnibHK&amp;sadet=1383702173855&amp;sads=MQ7hPbFmYWx0Xbuhgv8JgfWK2io"/>
+          <p:cNvSpPr>
+            <a:spLocks noChangeAspect="1" noChangeArrowheads="1"/>
+          </p:cNvSpPr>
+          <p:nvPr/>
+        </p:nvSpPr>
+        <p:spPr bwMode="auto">
+          <a:xfrm>
+            <a:off x="155575" y="-144463"/>
+            <a:ext cx="304800" cy="304801"/>
+          </a:xfrm>
+          <a:prstGeom prst="rect">
+            <a:avLst/>
+          </a:prstGeom>
+          <a:noFill/>
+          <a:extLst>
+            <a:ext uri="{909E8E84-426E-40DD-AFC4-6F175D3DCCD1}">
+              <a14:hiddenFill xmlns:a14="http://schemas.microsoft.com/office/drawing/2010/main" xmlns:p="http://schemas.openxmlformats.org/presentationml/2006/main" xmlns:r="http://schemas.openxmlformats.org/officeDocument/2006/relationships" xmlns:a="http://schemas.openxmlformats.org/drawingml/2006/main" xmlns="">
+                <a:solidFill>
+                  <a:srgbClr val="FFFFFF"/>
+                </a:solidFill>
+              </a14:hiddenFill>
+            </a:ext>
+          </a:extLst>
+        </p:spPr>
+        <p:txBody>
+          <a:bodyPr vert="horz" wrap="square" lIns="91440" tIns="45720" rIns="91440" bIns="45720" numCol="1" anchor="t" anchorCtr="0" compatLnSpc="1">
+            <a:prstTxWarp prst="textNoShape">
+              <a:avLst/>
+            </a:prstTxWarp>
+          </a:bodyPr>
+          <a:lstStyle/>
+          <a:p>
+            <a:endParaRPr lang="en-US"/>
+          </a:p>
+        </p:txBody>
+      </p:sp>
+      <p:pic>
+        <p:nvPicPr>
+          <p:cNvPr id="5" name="Picture 4"/>
+          <p:cNvPicPr>
+            <a:picLocks noChangeAspect="1"/>
+          </p:cNvPicPr>
+          <p:nvPr/>
+        </p:nvPicPr>
+        <p:blipFill>
+          <a:blip r:embed="rId2">
+            <a:extLst>
+              <a:ext uri="{28A0092B-C50C-407E-A947-70E740481C1C}">
+                <a14:useLocalDpi xmlns:a14="http://schemas.microsoft.com/office/drawing/2010/main" xmlns:p="http://schemas.openxmlformats.org/presentationml/2006/main" xmlns:r="http://schemas.openxmlformats.org/officeDocument/2006/relationships" xmlns:a="http://schemas.openxmlformats.org/drawingml/2006/main" xmlns="" val="0"/>
+              </a:ext>
+            </a:extLst>
+          </a:blip>
+          <a:stretch>
+            <a:fillRect/>
+          </a:stretch>
+        </p:blipFill>
+        <p:spPr>
+          <a:xfrm>
+            <a:off x="3733800" y="228600"/>
+            <a:ext cx="1685925" cy="2286000"/>
+          </a:xfrm>
+          <a:prstGeom prst="rect">
+            <a:avLst/>
+          </a:prstGeom>
+        </p:spPr>
+      </p:pic>
+    </p:spTree>
+    <p:extLst>
+      <p:ext uri="{BB962C8B-B14F-4D97-AF65-F5344CB8AC3E}">
+        <p14:creationId xmlns:p14="http://schemas.microsoft.com/office/powerpoint/2010/main" xmlns:p="http://schemas.openxmlformats.org/presentationml/2006/main" xmlns:r="http://schemas.openxmlformats.org/officeDocument/2006/relationships" xmlns:a="http://schemas.openxmlformats.org/drawingml/2006/main" xmlns="" val="3648285081"/>
+      </p:ext>
+    </p:extLst>
+  </p:cSld>
+  <p:clrMapOvr>
+    <a:masterClrMapping/>
+  </p:clrMapOvr>
+  <p:timing>
+    <p:tnLst>
+      <p:par>
+        <p:cTn id="1" dur="indefinite" restart="never" nodeType="tmRoot"/>
+      </p:par>
+    </p:tnLst>
+  </p:timing>
+</p:sld>
+</file>
+
+<file path=ppt/slides/slide2.xml><?xml version="1.0" encoding="utf-8"?>
+<p:sld xmlns:a="http://schemas.openxmlformats.org/drawingml/2006/main" xmlns:r="http://schemas.openxmlformats.org/officeDocument/2006/relationships" xmlns:mc="http://schemas.openxmlformats.org/markup-compatibility/2006" xmlns:mv="urn:schemas-microsoft-com:mac:vml" xmlns:p="http://schemas.openxmlformats.org/presentationml/2006/main" mc:Ignorable="mv" mc:PreserveAttributes="mv:*">
+  <p:cSld>
+    <p:bg>
+      <p:bgPr>
+        <a:blipFill dpi="0" rotWithShape="1">
+          <a:blip r:embed="rId2">
+            <a:lum/>
+          </a:blip>
+          <a:srcRect/>
+          <a:stretch>
+            <a:fillRect l="-9000" r="-9000"/>
+          </a:stretch>
+        </a:blipFill>
+        <a:effectLst/>
+      </p:bgPr>
+    </p:bg>
+    <p:spTree>
+      <p:nvGrpSpPr>
+        <p:cNvPr id="1" name=""/>
+        <p:cNvGrpSpPr/>
+        <p:nvPr/>
+      </p:nvGrpSpPr>
+      <p:grpSpPr>
+        <a:xfrm>
+          <a:off x="0" y="0"/>
+          <a:ext cx="0" cy="0"/>
+          <a:chOff x="0" y="0"/>
+          <a:chExt cx="0" cy="0"/>
+        </a:xfrm>
+      </p:grpSpPr>
+      <p:sp>
+        <p:nvSpPr>
+          <p:cNvPr id="4" name="TextBox 3"/>
+          <p:cNvSpPr txBox="1"/>
+          <p:nvPr/>
+        </p:nvSpPr>
+        <p:spPr>
+          <a:xfrm>
+            <a:off x="2667000" y="6096000"/>
+            <a:ext cx="5486400" cy="369332"/>
+          </a:xfrm>
+          <a:prstGeom prst="rect">
+            <a:avLst/>
+          </a:prstGeom>
+          <a:solidFill>
+            <a:srgbClr val="FFFFFF">
+              <a:alpha val="70000"/>
+            </a:srgbClr>
+          </a:solidFill>
+        </p:spPr>
+        <p:txBody>
+          <a:bodyPr wrap="square" rtlCol="0">
+            <a:spAutoFit/>
+          </a:bodyPr>
+          <a:lstStyle/>
+          <a:p>
+            <a:r>
+              <a:rPr lang="en-US" dirty="0" smtClean="0"/>
+              <a:t>Meet Ben, a hungry MIT student running late to 6.170…</a:t>
+            </a:r>
+            <a:endParaRPr lang="en-US" dirty="0"/>
+          </a:p>
+        </p:txBody>
+      </p:sp>
+      <p:sp>
+        <p:nvSpPr>
+          <p:cNvPr id="6" name="Rounded Rectangular Callout 5"/>
+          <p:cNvSpPr/>
+          <p:nvPr/>
+        </p:nvSpPr>
+        <p:spPr>
+          <a:xfrm>
+            <a:off x="3352800" y="685800"/>
+            <a:ext cx="2400300" cy="1524000"/>
+          </a:xfrm>
+          <a:prstGeom prst="wedgeRoundRectCallout">
+            <a:avLst/>
+          </a:prstGeom>
+          <a:solidFill>
+            <a:srgbClr val="FFFFFF">
+              <a:alpha val="80000"/>
+            </a:srgbClr>
+          </a:solidFill>
+        </p:spPr>
+        <p:style>
+          <a:lnRef idx="2">
+            <a:schemeClr val="accent1"/>
+          </a:lnRef>
+          <a:fillRef idx="1">
+            <a:schemeClr val="lt1"/>
+          </a:fillRef>
+          <a:effectRef idx="0">
+            <a:schemeClr val="accent1"/>
+          </a:effectRef>
+          <a:fontRef idx="minor">
+            <a:schemeClr val="dk1"/>
+          </a:fontRef>
+        </p:style>
+        <p:txBody>
+          <a:bodyPr rtlCol="0" anchor="ctr"/>
+          <a:lstStyle/>
+          <a:p>
+            <a:pPr algn="ctr"/>
+            <a:r>
+              <a:rPr lang="en-US" dirty="0" smtClean="0"/>
+              <a:t>SO HUNGRY! </a:t>
+            </a:r>
+          </a:p>
+          <a:p>
+            <a:pPr algn="ctr"/>
+            <a:r>
+              <a:rPr lang="en-US" dirty="0" smtClean="0"/>
+              <a:t>Let me check my email to see if anyone emailed out to the free-food mailing list!</a:t>
+            </a:r>
+            <a:endParaRPr lang="en-US" dirty="0"/>
+          </a:p>
+        </p:txBody>
+      </p:sp>
+      <p:pic>
+        <p:nvPicPr>
+          <p:cNvPr id="7" name="Picture 6"/>
+          <p:cNvPicPr>
+            <a:picLocks noChangeAspect="1"/>
+          </p:cNvPicPr>
+          <p:nvPr/>
+        </p:nvPicPr>
+        <p:blipFill>
+          <a:blip r:embed="rId3">
+            <a:extLst>
+              <a:ext uri="{28A0092B-C50C-407E-A947-70E740481C1C}">
+                <a14:useLocalDpi xmlns:a14="http://schemas.microsoft.com/office/drawing/2010/main" xmlns:p="http://schemas.openxmlformats.org/presentationml/2006/main" xmlns:r="http://schemas.openxmlformats.org/officeDocument/2006/relationships" xmlns:a="http://schemas.openxmlformats.org/drawingml/2006/main" xmlns="" val="0"/>
+              </a:ext>
+            </a:extLst>
+          </a:blip>
+          <a:stretch>
+            <a:fillRect/>
+          </a:stretch>
+        </p:blipFill>
+        <p:spPr>
+          <a:xfrm>
+            <a:off x="2131480" y="4800600"/>
+            <a:ext cx="535520" cy="1041289"/>
+          </a:xfrm>
+          <a:prstGeom prst="rect">
+            <a:avLst/>
+          </a:prstGeom>
+        </p:spPr>
+      </p:pic>
+      <p:pic>
+        <p:nvPicPr>
+          <p:cNvPr id="10" name="Picture 9"/>
+          <p:cNvPicPr>
+            <a:picLocks noChangeAspect="1"/>
+          </p:cNvPicPr>
+          <p:nvPr/>
+        </p:nvPicPr>
+        <p:blipFill>
+          <a:blip r:embed="rId4">
+            <a:extLst>
+              <a:ext uri="{BEBA8EAE-BF5A-486C-A8C5-ECC9F3942E4B}">
+                <a14:imgProps xmlns:a14="http://schemas.microsoft.com/office/drawing/2010/main" xmlns:p="http://schemas.openxmlformats.org/presentationml/2006/main" xmlns:r="http://schemas.openxmlformats.org/officeDocument/2006/relationships" xmlns:a="http://schemas.openxmlformats.org/drawingml/2006/main" xmlns="">
+                  <a14:imgLayer r:embed="rId5">
+                    <a14:imgEffect>
+                      <a14:backgroundRemoval t="10000" b="90000" l="10000" r="90000"/>
+                    </a14:imgEffect>
+                  </a14:imgLayer>
+                </a14:imgProps>
+              </a:ext>
+            </a:extLst>
+          </a:blip>
+          <a:stretch>
+            <a:fillRect/>
+          </a:stretch>
+        </p:blipFill>
+        <p:spPr>
+          <a:xfrm>
+            <a:off x="4921611" y="2895600"/>
+            <a:ext cx="824777" cy="761333"/>
+          </a:xfrm>
+          <a:prstGeom prst="rect">
+            <a:avLst/>
+          </a:prstGeom>
+        </p:spPr>
+      </p:pic>
+      <p:pic>
+        <p:nvPicPr>
+          <p:cNvPr id="2053" name="Picture 5" descr="iphone clipart"/>
+          <p:cNvPicPr>
+            <a:picLocks noChangeAspect="1" noChangeArrowheads="1"/>
+          </p:cNvPicPr>
+          <p:nvPr/>
+        </p:nvPicPr>
+        <p:blipFill>
+          <a:blip r:embed="rId6">
+            <a:extLst>
+              <a:ext uri="{BEBA8EAE-BF5A-486C-A8C5-ECC9F3942E4B}">
+                <a14:imgProps xmlns:a14="http://schemas.microsoft.com/office/drawing/2010/main" xmlns:p="http://schemas.openxmlformats.org/presentationml/2006/main" xmlns:r="http://schemas.openxmlformats.org/officeDocument/2006/relationships" xmlns:a="http://schemas.openxmlformats.org/drawingml/2006/main" xmlns="">
+                  <a14:imgLayer r:embed="rId7">
+                    <a14:imgEffect>
+                      <a14:backgroundRemoval t="0" b="100000" l="13000" r="86333">
+                        <a14:foregroundMark x1="21333" y1="6333" x2="21333" y2="6333"/>
+                        <a14:foregroundMark x1="31000" y1="16333" x2="31000" y2="16333"/>
+                        <a14:foregroundMark x1="56333" y1="87333" x2="56333" y2="87333"/>
+                        <a14:foregroundMark x1="26333" y1="95667" x2="26333" y2="95667"/>
+                        <a14:foregroundMark x1="30667" y1="92000" x2="30667" y2="92000"/>
+                        <a14:foregroundMark x1="35000" y1="87333" x2="35000" y2="87333"/>
+                        <a14:foregroundMark x1="51000" y1="51333" x2="51000" y2="51333"/>
+                        <a14:foregroundMark x1="56000" y1="8667" x2="56000" y2="8667"/>
+                        <a14:foregroundMark x1="77667" y1="21000" x2="77667" y2="21000"/>
+                        <a14:foregroundMark x1="47667" y1="11000" x2="47667" y2="11000"/>
+                        <a14:foregroundMark x1="32667" y1="8667" x2="32667" y2="8667"/>
+                        <a14:foregroundMark x1="34000" y1="22667" x2="34000" y2="22667"/>
+                        <a14:foregroundMark x1="40333" y1="35000" x2="46333" y2="45000"/>
+                        <a14:foregroundMark x1="23333" y1="6333" x2="41000" y2="38667"/>
+                        <a14:foregroundMark x1="64000" y1="10333" x2="46667" y2="53000"/>
+                        <a14:foregroundMark x1="41000" y1="9333" x2="73000" y2="86667"/>
+                        <a14:foregroundMark x1="77667" y1="95667" x2="27667" y2="31000"/>
+                        <a14:foregroundMark x1="21000" y1="5333" x2="77333" y2="1000"/>
+                        <a14:foregroundMark x1="18000" y1="7667" x2="21333" y2="94667"/>
+                        <a14:foregroundMark x1="22333" y1="95000" x2="25667" y2="97333"/>
+                        <a14:foregroundMark x1="27667" y1="97333" x2="74667" y2="95667"/>
+                        <a14:foregroundMark x1="76667" y1="94667" x2="79000" y2="91000"/>
+                        <a14:foregroundMark x1="79000" y1="90667" x2="81000" y2="6333"/>
+                        <a14:foregroundMark x1="19667" y1="9333" x2="23333" y2="94667"/>
+                        <a14:foregroundMark x1="26667" y1="8333" x2="73000" y2="5333"/>
+                        <a14:foregroundMark x1="70333" y1="12667" x2="65667" y2="78667"/>
+                        <a14:foregroundMark x1="67000" y1="90667" x2="78333" y2="59667"/>
+                        <a14:foregroundMark x1="77667" y1="23333" x2="76667" y2="69333"/>
+                        <a14:foregroundMark x1="23333" y1="14000" x2="26333" y2="92000"/>
+                        <a14:foregroundMark x1="25667" y1="89333" x2="71000" y2="89667"/>
+                        <a14:foregroundMark x1="28667" y1="33333" x2="41000" y2="78667"/>
+                      </a14:backgroundRemoval>
+                    </a14:imgEffect>
+                  </a14:imgLayer>
+                </a14:imgProps>
+              </a:ext>
+              <a:ext uri="{28A0092B-C50C-407E-A947-70E740481C1C}">
+                <a14:useLocalDpi xmlns:a14="http://schemas.microsoft.com/office/drawing/2010/main" xmlns:p="http://schemas.openxmlformats.org/presentationml/2006/main" xmlns:r="http://schemas.openxmlformats.org/officeDocument/2006/relationships" xmlns:a="http://schemas.openxmlformats.org/drawingml/2006/main" xmlns="" val="0"/>
+              </a:ext>
+            </a:extLst>
+          </a:blip>
+          <a:srcRect/>
+          <a:stretch>
+            <a:fillRect/>
+          </a:stretch>
+        </p:blipFill>
+        <p:spPr bwMode="auto">
+          <a:xfrm>
+            <a:off x="702730" y="914400"/>
+            <a:ext cx="2857500" cy="2857500"/>
+          </a:xfrm>
+          <a:prstGeom prst="rect">
+            <a:avLst/>
+          </a:prstGeom>
+          <a:noFill/>
+          <a:extLst>
+            <a:ext uri="{909E8E84-426E-40DD-AFC4-6F175D3DCCD1}">
+              <a14:hiddenFill xmlns:a14="http://schemas.microsoft.com/office/drawing/2010/main" xmlns:p="http://schemas.openxmlformats.org/presentationml/2006/main" xmlns:r="http://schemas.openxmlformats.org/officeDocument/2006/relationships" xmlns:a="http://schemas.openxmlformats.org/drawingml/2006/main" xmlns="">
+                <a:solidFill>
+                  <a:srgbClr val="FFFFFF"/>
+                </a:solidFill>
+              </a14:hiddenFill>
+            </a:ext>
+          </a:extLst>
+        </p:spPr>
+      </p:pic>
+      <p:sp>
+        <p:nvSpPr>
+          <p:cNvPr id="8" name="TextBox 7"/>
+          <p:cNvSpPr txBox="1"/>
+          <p:nvPr/>
+        </p:nvSpPr>
+        <p:spPr>
+          <a:xfrm rot="21333992">
+            <a:off x="1568570" y="1447800"/>
+            <a:ext cx="1219200" cy="1200329"/>
+          </a:xfrm>
+          <a:prstGeom prst="rect">
+            <a:avLst/>
+          </a:prstGeom>
+          <a:noFill/>
+        </p:spPr>
+        <p:txBody>
+          <a:bodyPr wrap="square" rtlCol="0">
+            <a:spAutoFit/>
+          </a:bodyPr>
+          <a:lstStyle/>
+          <a:p>
+            <a:r>
+              <a:rPr lang="en-US" dirty="0" smtClean="0">
+                <a:hlinkClick r:id="rId8"/>
+              </a:rPr>
+              <a:t>Free-food</a:t>
+            </a:r>
+            <a:r>
+              <a:rPr lang="en-US" dirty="0" smtClean="0"/>
+              <a:t>:</a:t>
+            </a:r>
+          </a:p>
+          <a:p>
+            <a:r>
+              <a:rPr lang="en-US" dirty="0" smtClean="0"/>
+              <a:t>10,000 Unread Messages</a:t>
+            </a:r>
+            <a:endParaRPr lang="en-US" dirty="0"/>
+          </a:p>
+        </p:txBody>
+      </p:sp>
+      <p:sp>
+        <p:nvSpPr>
+          <p:cNvPr id="13" name="Rounded Rectangular Callout 12"/>
+          <p:cNvSpPr/>
+          <p:nvPr/>
+        </p:nvSpPr>
+        <p:spPr>
+          <a:xfrm>
+            <a:off x="3352800" y="685800"/>
+            <a:ext cx="2400300" cy="1524000"/>
+          </a:xfrm>
+          <a:prstGeom prst="wedgeRoundRectCallout">
+            <a:avLst/>
+          </a:prstGeom>
+          <a:solidFill>
+            <a:srgbClr val="FFFFFF">
+              <a:alpha val="80000"/>
+            </a:srgbClr>
+          </a:solidFill>
+        </p:spPr>
+        <p:style>
+          <a:lnRef idx="2">
+            <a:schemeClr val="accent1"/>
+          </a:lnRef>
+          <a:fillRef idx="1">
+            <a:schemeClr val="lt1"/>
+          </a:fillRef>
+          <a:effectRef idx="0">
+            <a:schemeClr val="accent1"/>
+          </a:effectRef>
+          <a:fontRef idx="minor">
+            <a:schemeClr val="dk1"/>
+          </a:fontRef>
+        </p:style>
+        <p:txBody>
+          <a:bodyPr rtlCol="0" anchor="ctr"/>
+          <a:lstStyle/>
+          <a:p>
+            <a:pPr algn="ctr"/>
+            <a:r>
+              <a:rPr lang="en-US" dirty="0" smtClean="0"/>
+              <a:t>Ugh, too many emails to sort through, I guess I’ll just take the </a:t>
+            </a:r>
+            <a:r>
+              <a:rPr lang="en-US" dirty="0" err="1" smtClean="0"/>
+              <a:t>nanoquiz</a:t>
+            </a:r>
+            <a:r>
+              <a:rPr lang="en-US" dirty="0" smtClean="0"/>
+              <a:t> hungry </a:t>
+            </a:r>
+            <a:r>
+              <a:rPr lang="en-US" dirty="0" smtClean="0">
+                <a:sym typeface="Wingdings" panose="05000000000000000000" pitchFamily="2" charset="2"/>
+              </a:rPr>
+              <a:t></a:t>
+            </a:r>
+            <a:endParaRPr lang="en-US" dirty="0"/>
+          </a:p>
+        </p:txBody>
+      </p:sp>
+      <p:sp>
+        <p:nvSpPr>
+          <p:cNvPr id="14" name="TextBox 13"/>
+          <p:cNvSpPr txBox="1"/>
+          <p:nvPr/>
+        </p:nvSpPr>
+        <p:spPr>
+          <a:xfrm>
+            <a:off x="2667000" y="6096000"/>
+            <a:ext cx="5486400" cy="369332"/>
+          </a:xfrm>
+          <a:prstGeom prst="rect">
+            <a:avLst/>
+          </a:prstGeom>
+          <a:solidFill>
+            <a:srgbClr val="FFFFFF">
+              <a:alpha val="70000"/>
+            </a:srgbClr>
+          </a:solidFill>
+        </p:spPr>
+        <p:txBody>
+          <a:bodyPr wrap="square" rtlCol="0">
+            <a:spAutoFit/>
+          </a:bodyPr>
+          <a:lstStyle/>
+          <a:p>
+            <a:r>
+              <a:rPr lang="en-US" dirty="0" smtClean="0"/>
+              <a:t>Now meet Alyssa, an MIT student even later for 6.170…  </a:t>
+            </a:r>
+            <a:endParaRPr lang="en-US" dirty="0"/>
+          </a:p>
+        </p:txBody>
+      </p:sp>
+      <p:pic>
+        <p:nvPicPr>
+          <p:cNvPr id="12" name="Picture 11"/>
+          <p:cNvPicPr>
+            <a:picLocks noChangeAspect="1"/>
+          </p:cNvPicPr>
+          <p:nvPr/>
+        </p:nvPicPr>
+        <p:blipFill>
+          <a:blip r:embed="rId9">
+            <a:extLst>
+              <a:ext uri="{28A0092B-C50C-407E-A947-70E740481C1C}">
+                <a14:useLocalDpi xmlns:a14="http://schemas.microsoft.com/office/drawing/2010/main" xmlns:p="http://schemas.openxmlformats.org/presentationml/2006/main" xmlns:r="http://schemas.openxmlformats.org/officeDocument/2006/relationships" xmlns:a="http://schemas.openxmlformats.org/drawingml/2006/main" xmlns="" val="0"/>
+              </a:ext>
+            </a:extLst>
+          </a:blip>
+          <a:stretch>
+            <a:fillRect/>
+          </a:stretch>
+        </p:blipFill>
+        <p:spPr>
+          <a:xfrm flipH="1">
+            <a:off x="2131480" y="4751775"/>
+            <a:ext cx="464718" cy="1104800"/>
+          </a:xfrm>
+          <a:prstGeom prst="rect">
+            <a:avLst/>
+          </a:prstGeom>
+        </p:spPr>
+      </p:pic>
+      <p:sp>
+        <p:nvSpPr>
+          <p:cNvPr id="15" name="AutoShape 15" descr="data:image/jpeg;base64,/9j/4AAQSkZJRgABAQAAAQABAAD/2wCEAAkGBhQSERUTExQWFBUVGBcaGBcXGBgbGRcfHBYYGBoYGxoYGycfGBojHBgYHy8gIygpLCwsGx4xNTAqNSYrLCkBCQoKDgwOGg8PGiwkHyQsLywxLCwsLCwtLCwqKSwpLiwvLCwsLDAsLCwpLCwsLCosLywsLDQsLCwsLCwsLCwsLP/AABEIALMBGgMBIgACEQEDEQH/xAAbAAACAwEBAQAAAAAAAAAAAAAAAwECBAUGB//EAEMQAAIBAwIEBAQEAgkCBQUBAAECEQADIRIxBEFRYRMicYEFMkKRUqHB0bHwBhQjYnKCkuHxorIVJDOT0lNjg9PiFv/EABoBAAIDAQEAAAAAAAAAAAAAAAADAQIEBQb/xAAsEQACAQMCBQMEAgMAAAAAAAAAAQIDESESMQQiMkFRE4HwYXGRobHRBRTB/9oADAMBAAIRAxEAPwD6Ctq3gNatt8xX5mPfOonHTAnpMilqx+Jh/lCifXSqlvuI7zUiMiTE8tv/AOj/AHjPqKi5ag4PIEk9o6c5MQMyY5kVFiLFuJGuSfmnDEBiN2hZyB1APyzBGAV2bYgbE7nV83cnHWftGOTUy0QeQE8us9yefPHQATdQTESQZkGO38/qBFSSMV8aWEp+a9194xsedRetRsdSnZhOfWdm7HIpXixv/Pb+cd94tw90jOCDup2I5enY78+wANScZAyMxgDn2HSsrcMxJLDE/scCeefLMSdxvVzw8y65AgkfUmTvnIwDMcsxFNF8MsN7Hl2xQAkXNRE7cgCdMD23HMb/AHBqjqCWMQN9sdv570cPaLE4xsfw9sSMiTER7Va8rIGAkyO3oJx8pJifvBMUAYeLulmAPY9oGAB08w/6O9RbtyMEamIEYkZEYOYnP/Gdd74aNOuTMctzjy427n3rC9ohxALETsDI7xEjb+cwppqVxLUlPV2Nd7gdGdW22feY6Y+9L4dXUCMz36+mI2/c7mLzM0KxPmI3EmOcmJaIPL9a23FEQrTqwMbGYE56kcqaOM/B3gHEggZzBGTj1ONAwOla+Gu/KA2+o7zHJR+tTalsA6RExjM5HsBA9PtSF4cTsSwkkDkZPWYxP3oA0K4bDDLc1ESJ59JM/amcOoOomCCfaBjYjYUg2oUFWBGQuoQe8E/7CoN2IkQUG3UnlnMc+XtNAFb9mQWEwTAjeOufmPrn+8Kyqp1gAyF8zerDy4PRZP8A+Q74NbNQjbYHIgDbzN0kAGM9KzWHUAnGo5aJiT0O0csdKggveEqRpmQRHWcRSTpZmDABg7MIkbudLAjaQRsedP8AEEqJElkjr84gx0rEVe6gcNE2wukAHy+UkCfqwMn8uUSKyN54vSP7WbgAw2BcEctR8r4mNX3mKdwloXrTvbcHSWxBVhBG+RpMIsct6w8Tc0WyWIHuTHOJOTArL8CZlttkrrYA8pwwOdpm20x+I5zUX5g1O9jqLfiQc9Qf23FZ0uAsxnrEnlP85pi2SfKPNjAPLsCI0+0CdwazWrQVsk/3QRmTEZGCekQT0qzuWd+xstqVPNSTJ7/ftjpvUcQfHuaBhVEkxzjpz6f6qi9xUIcg9JzB7Vs4DhdCZ+Y5b9vbb79ah5wVeXYrZ43kZ9xBP2w3oIPRedaS4Kk7iDP61ju8NG+VO/U9oNVu3B9MkEQcwfSTPLqD2irFzTwluFiOg+yhT65U0rjLKxGkCTyxtnl3iqDi4U8zqYk9JJYyOQzGJHetBtgqCx2EztymgDBpgGOflHqwMn1Chv8AUKobbDIP6fxn+H2rXa4cHE5WZHcxP28qY/B3qz8GeRB/L96ACyjpIw3Xr6bgf879W+M34PzP/wAaYrAYkTjmJ2q9AHJZMSJJkmMQBt6En7VaxdUSCJk8p8xjcDlzAHuPm0ihtATJOfLzxmSD3MZPPaMGqXBz/n0OP59IoAFzme/fb7EdulMF0AaYzPv6Cc56faeS0aIg5Bn36nmfX79ouXCfMd8fkd+hyMcjHbIAxQzNj09J3n8pHtvIENbK5IgnkT23yZ/XnkSRUCPvg5g9OecfV3z+KtF0AqDmZwZzgzOM9PyNAFA7KwIOkjY7dyfTHpE+lNNsXDjysZ8vJ8Zj8JO+k46Gs+uQDv37Yzk/5p2iNpNOe2Nl1N1j/bINADUv6cAYHI4M8571nuMbrRMH3EYzHtI/zDlWm3dV5F0AnYPlWGMaipBYDnzH5hd+yFgFSDEyLjEZAJKl0IYYAneZ7GgBPE2nJCz8u6gAzjkTsdsemn8Ii1w76pBDYXvBkyZBwMbEe+KvrBH1/IZ/9NhAmfwzsBGKnh1YGVJn69SYboRpckEdSc+1RdXsArjrrSvmUkEwQGHLM9e0Rsd6hCWMNAOep5EAyY/FO1SbcNOpQV1A6tYBmBu9qJEd92pnDKPxIRjAe3mWUx5mB+nmBufeQNPDgmSDPLI79ZnamaRqYqfNtB2/KlW7bkQJKjmo1E9vIWioGpARBH94qwge45d6AGDhhqY4g/cft/xVLtiLZDRjb9B79O9LW4BKypk5JIjsYJqfiJveEPCI8QFMmNPzrII5yJHrtyoA8z/SOx4dzUbjQYfTplPIbQhgXGSxgfiIIOQJoOJU3BeYsZBuhCEllcrZUaQQPmKwM8vU9SyOL/q7u6JqZlJ1m3p0T9MbyYY6o3xUuGPC2lJVHEToVYWWZ4hQFmFWYxIkVg9XVUuu2P0TJ6YtjmZZXSBuJIBhRI1ahA+mcHeT1qvB2Qs6Tc0zA81sx5QQAGGo7wCfeo4ORbYkgmTnbYR+laOGHl3nfPueuwrYs2bFx5kmyblxUtO3m1kMAWAkSCMaZA3/AHrN8IgW1EA4JM4iQhGx5HV9+UUv4oxbyL2Hux0qPuZ+1auHUANBBEmCNoktjphtqlbgtx93Uh8n1KJDHKz0MT7HpSEdTgiORU4kdM4M/nTixOev+wp12GKquQM+siInlIMHsXP01YuUvXE02zoOtYOqWg9CVPzEgK0GIkCRGNFnj1OCQDE5x2mJkDvt0JrNrJyd4z3yST6kk1ULBBAGCD7jY9umIkY2xQBr4xDEyMcj/O9Ut21YAbN/H96yNx+k6WHlj6tIBOcTIUHbPl3+UwTW3hiurEgj6TuPvn9aAGW7MAAieZPQ9ufv2qjppnJIiYxEyIBxsTjEHffcaGaBPSsNviWYkgAiZiQCcED1iSY7zQAWgyvlS0Dcfme564oHEAOCAQIAIOAuR02579qcvGiYYFDymau6LcBGDyJEHl+x+xoAyXTJPcmJ9YFXPCJzImtd1TEDqPYTn8qsY7UAcjVBHPaBGDHbmeg/4qIwAvPcHPXpgjuDPpyuEEyciCekGJgjmP3pFi4T5tpzMdTGeZmQB7A74AGTA7TJz6CBGwg7/wADplLcRJEDbH/GY9V29MGms+eh9NpyQeo9u8EACi1AkAnV1kQd+c845TtQAyy2wJAG0kSY6dR+mKrxbjGnAwCDv3nqPfrsTm9+2CJAicnUeXIjMkHJnff3mxw8KHHm6qeWZjHMdf0iAC7XlaAo236n98++aqpZCSO0qfyj+f1qtwZGjBwfNyEMOR3nA9TvBBhWZ30nE7nHbH54P8DigByW/EJIgDfrn+f2pjXQoCEalImPqWQfOCdi34do33qOKCqAABjyxtOBiegBk+w+o1mQk43YnJxuesfpjp2AOf8A/wCcvKblxbxe1DkZiAXYsjKWEQhAjluIwB0fhnEBECySYUDUZLHaSZOTHPNauE4RwSV05w05V45MPuMcz6gqvWvmKAnTOq3lmUjoZ86ziRkdOiYzg5NJ5LNOwtHDZO2rOCAMzExip4jSCArYO4kGd4/k9q5/HrdGjwtGgouNFpjhXLOAWAdQCohjuQZwZ0/DvEZ28VIUIPwgEhRqgIcDzEQ2ccgYCo8TdvH7LaC7WFb6VODkgdCenarG1oIEspIBhWYDZt4O4/elKVcCSMDaRAJEn+Me1TbJ1lZJwMGB7zAGBy5TWsWW4biHe4V8a4AurZ52FvBDgz8xPTI3zCRxjoUIdWldR1W7MgG07+XQo20j/V938Nwptm4eZR2M7AkwsRja2J3NJdNV8LmBIjEYW3aO45l7g/y9qpkXkabAiNFvO8K49fluZpF5FUaVsAzmEcrkCNXmRgBmJZoz9tPFXETSA8ajAmMmCcbDk2TjBiSNJYNFsB2dGBaO0rIIJ+ogzuBB2AGKVUqxhjv4GadW5X/wlJBTxyvXEN7RMe1TdtxyIzgtbiB3K3MnaPLnkBydwX9IGdhNl0Rg0MQZwzBcRiQB7sBmud8R4tr4V/E8BJuAax80oVUhQRLAtO5EgExistLiKsn0qxbTFDfhnwrXcWbggHV8jqxIMjDiOQMycDbo246W/KFNxViH/F6x80f8Vhd3CC2RcDeUF2mXAyTr6Aw2kACAxg8unxNwqihVVnkyWSVcEEjI21HSvMiZyBT5VtEbpX+xWMVdpGK3xU6RByOUx94/Ks/xXir3D6HFkNbZcMJLFs+GpCmYh2wM7cga0XeGR7ag2FN5hkquwUwDGTEQI2Ex2rF8N+JW24fUUeAraDAwTdun8UZBWJ6GYFVfEaoO6ZZJ6rDn+LavkSfkmbd5TknVGskYxkxHU8tisOTfwrnfEeNA0eDqNq7pLgB3MFdQJTOSSoztVOEsuzFmRkt27bMuq1phgxAUhhI8sYk5nMVeDVNd3cs02aL/AMUCCXjTqAJzzYKDHuJPLJqUuqbQe0zMowVYbGGY6HAJQCDhhpPckUgPZdD5ydLKW3JXKmQdUiJDbct5qnD8JZLG3bKpqJGkDSp0hJ8oU6YFwZY/URiCBSdS75ZWt9CsYtLJ1eB45b1hm1xgEI2GOQIJ5mcSDuRgbVbgfibaXRLQfS7ArByAHOrbEhABgCSBzrkW9KiEIIAVvKDs4kHIG47c+9aLPxaMHPZvXlOZiMf9QwKmrFcRGyZWM7OzR3OHbUASumRlcx8zCQGGAQAQCNjSeKsRIWBrEH7gD+Ptmqrx5ElkYbSZZxz+pAwA9a593iFkHUgiSZLDod2UD7kU+jF04pPcJNM0zcT8QHaGX9YH2pLX5Mkrn1/+VTb4xGiGQztFy1P/AH00/wCE/Y1u9aL6ooz+jJdMmRbcwFBAg7Hf7+nPb0qgUwSIgEfnzmMcx06jJiVUljMk8/fEbc+c+nIg2uIYKH5ZGqAfU5O/+3MAmsxoI4TiAZ1ZBkHrPSJ3x3mBE1W7cLHaAIGNidsdvyO3KaZxCKsaJG3cEHPvmN/45qvhnIbGmcHMYmO6iR3yBBmSAVv3Qx6DHX7Z22GMg4z1cbmZWVMRHf1/fofeLbAKQw7ydz++Z2786ULRBlYgnIjqeo57df4UAaLVonA3jM89hP8AtPpWq7bULHLcneOUx1OwHP0mo4YgLO5PLaO3YbmdsE8qzXHBJJOBseXckdOnQepoASz+aSIkcpMQCTk8t2POSTmTFON4NbyaWJiVIKnOGDYPtTfCJGphg7emN+xP3x0FVby55c5/nHr9+tAHK/8AABAUu5jnzMCdgNwTdbt4jmG3HT4K0LSlV+dnZw4EGCP7uDAgdIycySwiTpMqOeM79M6c8z6gGpTnMCQJAA9jj5p/FkcxFK9KP/Sbsw2P6M2GEJ5WZShEIEuAqFgNpkHGoA+XUTHKMifHQBcDWrqMiMCW1ALglWZlXPyDEc4iRB7nhyMwBtn/AGpl60Loh9Y0iBcB8wH4W05dMA9Rg9wVIao2RKdjJwC2jbVyoEqrXJuSELJqyWMH5jkVXh7ShnCgFQ0A4PISMb7fnW+2GVgtxmJAMHAQqAo1YMNJODgjM9+O1xTqZnFsh2ZkLLqElyA8/IYYHYntGas2lli0mV4X4hc3BOojsW0hmYSThQA0ScD866Hw7gSV2EmJeDAAkBEVvm3JLMIJYkBsUrj/AIWtxANbA6tZ0iPMuQdJOWGDLyIBGAYGMcH4dyyxumS2jnDlkVfrbHyz08wABBmsrqePyXhS05k7nS4/hl0sqqLkgkqxbLaSuqQZ1QxHLlBBUVx/hrWBcCCS7PcAABAwgdtI3RSDggSYkADNdrhOMVkDIDBLZO5gkYKsdW30k4IJZQRSPiHG+ErO40IJBOkEsdOoSMeUkwNxO4J8xWtK5ni/5fsMeWOtcQdAt6tYSBygGcBo+dgM6RiB9Ww0Wfh9q2fEuuHZmgE/KDmAIwOQ9oETFcQJbu37dw3SEYLczCERrJUkDOZEg8is8q2Pd8P+yZdYR5A1OpkZWNJ9GGO9ZajcuWGF4Icktz0RvJctkzKEEE7dQfQgyOxrD8Pb+yT/AAgbRsI/SucnxcpNgLoW34a5LnDEAku4MQDI32MkYFO4R2SwugC4wkDOkYYkySMQufb3p/BxdJy1YRE2ZuN/pElniLgZWJSypxHN8x6CD7GsvwZXIdfCBT+xkC0Arh1ts7EnDMA7bAYAJrXc4q4fEHhx4qorXJBFuRE+XLKJLA4mr2eBb6HYE6RA1clCyNOQPL6Y5CplH1NbVu3fwQpNdjkf+OK3kvjwSfFLDIUaMAQUY7RyxE5qeH4sGy7K8Lb8OQSArC5k7FVwSd8kZxIrpcbw9vh1LXmuQAWMGS2ZOwJ641dN5rFc4q0/DaWV9Ny7a5SdLOo3iN/aesGBRso6Xu0VUm5NM6HAcNwxEFbTMWIyqyZZigyM4EjqBVV+E2TcuHwwNGQBgSQQxgQGB0CQQQazfB/haM1pyAxUIwYXMjQpC+VWiPM04jJGAYou/ELive0hriwSqhWl2lvLqJiFBBIGTUpvLNCasL/pHwQspb8G2qFmVWKq0Kqw2FTuq8uk9QrhOAe4yShs22U62AbUTIKnW+wwo6zJAgzWq9ca9goEC3CsHBZdJli0kGCVkg5ieVV4LibpthGtz5XxAYgFfKVlogGR7jJiDec3iWn2E6U27noFRGAMKw5GAR965XxG2ts22AywYuCzQVxmJiAM7cq59ziLltE1OBNtIEq3nJJcgHB30hjIkbxMzwnxV2S6bxZ32hCqqqgFcvACgkzB6b5yTqynJWWF+yHa1r5N1zgEJyoJGMhT/wBwIj1rEfh/DDGm3/pT9qqnFMNJZ4AgaREHeJZlJ2HJTsc7Ujwk/CvuST9/FzWzUKczs24BBAEY2xG3Xn+X5E6r7QSoIjAgco5eu35VzluGBOD1E4MbCf0/PnoZNIE51CY5n05A/l0jAq4wv4pA0nI5dR39c+/bJpN+4FAiZOM5jeM8jvjmZI51k4/ibqkNat+ICDJzIOpQmBEggtjfE82FZr3xK+RHgCGEyQ7DqPlmQAyqQAZYOcaRVJt7IGro3+PCjJY4xjkMGYMeuZ5zy0W+IVgN9RMfssdT0z2nBOJrDKoYg6YzO64k+oGepEGZALUzhrJJJJ06QQz6dQScBSOpMz0EDBJpTqOHVsJg56tLRpvIQIEYnVEdfknmMZ6mBMLkYTE7HvvynlGeR25jamMSDpYQ0SIyrDkQRyMc47j6iu3w+to2POBtjmcT7QO5G7oyUldDh1vjdONxt6H8Pf0AJHSklc4x0IMkem+n1Ge42FvD078hE9B26L2GKxcX8WS2QCYJBMx0IH380wYwCQCAaltLcDpsE0SBn8wecD9qz27m2oqqtOjUwUk7+T1O/wBJ3knbEeKtPbuqzOJt3BqCkgR5SZwSfMGEEYyInOfiv6LjUS9xw/mMbBlOrLkEQZ8M6jAJt/SXIGOfE3emP8F9Dsd+zw/mIO22xGqPXaOm/MYyaXWjygyDjvMyRgZPp7ld65trhm4ZC0NcUwpBEkALcfVBy8AQMAAAQGjL7HxVTBFp1jSCS+mRq05OmYV1uAgQAFnAIgfFWSSV39A0m/gw6qcallvJs4OxKnZGGcDqfMcVx7/9H7JyTqQg6WU6WgwCjqI5QJJAycy2dPA/ERdtqybNJJ1alMMR5SQC0gDJAAwCCRpp68SVl9QC7MWkq3VdO9xo5Db+6KcoOSvMG0ngtxNktbIDaGcEIYLQ0YOkQWI5bAdBzw8S18LiHQka1wUxbAYaiRqJYTpUkb6mnynTxV4FC/DqZWTdtPIcqSCMb+FkyFOZzOa5fD/HbzXGWAwi2UOgABZi4qgtAGkiCAemazV20k7J2IU46rHSPwgPZVRpF0ID4hGkIZ+i2CNIDSBgAd8zy7vDghtUlgWYakLQSQrJgkgKCCXMk63MTIO66hZtKqznTpWYMAsrBiAvzSgOTjpT+FtKx03SFLs5+XJKkhhJEKdyCoyDI3BOVScW3N/2Xau7IxcTZF7hyq22si34ig6QwFvkQJIOysDsCOm6/gtuwiSbjF3IQosSYYqo1HIHmC4IkBRyNdO4bi+IlpiEAAAYgEElST5lJPlJgYmOWTWLiLAQIhnw3uFQQdJyQULEZaIXy5JjfEUJvTa9u69wcc3EXrZNsMt03CcqqFWaA0QSxhcGNWTEkTtWvgODe5YIvaLatrHlMlgwEEtPIyRucZ5iuZw10cKP7NQGtyQhLZOfKCQT2jeulwvEkNfcIygNCHMMpbDTEiCSYBGDFaI9Wc+DPCSy1i25zLPw+4p1IzFrjad/kZVwYGMjV9txFObi112763BFoXLjJl5Cm2nEAMW3Qqjg5wze6P6peuXWGsC3cZNMMyhSowAIImYBk5DMcGIR8PtWrRJ8EBh8o+adkuWyOSMpK525c6myWH8TKxmlnydl+HtFA7v5TbXSrqzBshFDMWIMkCVHIkmd6z8DwaEC2ttAyOzM0KI8MEJrJGApAGTzgUji+NtWwbJ/tLdpUgHSiaX0uggN4l9oYGF0iRzNbXOpcMLluYClFVQ28hYiCDvudJzNVpw9N2m+4yb7nQ4K0YBUyAoUEEREDGuD0HyAjHzU8cOpYKxBxhRgYJOVBlt58xPM864t/i7hthgwWRMHYdsnG+8e1KtcQ5WYzIZWbYdIES4j8IjuK2Ts00tyFVSdi/EfFRctFAnyXbqqdY2EgpkfUCQIwBBnFIXi7pQEAZNq4CzEJ/6Y8pGiG1TqhcmRPStRDXPnLXSMnVGlf8nyqv8AiJG21WuONQ1FnIEQpERyAaDO/wBKxtBrNCimshKst0c3h+FYqDeh2BYxnSNTSACYuONo1EdIroszKApYoBEKMGRERbTSAcbNHoa0jiHKlR/Zp+Fce7HJb3PtVLdkLsK6lHhJvfCMcqyWVllEe4xBLXABtN1yx6jBGmfUnHKnn0P/ALvEf/uqKmujHhaaVrCfXn5LMVBJnKkcvcHP374PKquSxxzwc/ocjv026inJw5ZvT06z9pnGxM9DVpWIAjMnM9JAO5G01yjqEBMaY9vy9579ahhB3JA/XeP339eTCMZmf4CP16dPWlMcxuO3P/b+Jx1oAyfGzxDEDhmCLpGDAzqLBgdJ6AdIbUNlLcnj+H4wW9KsvhDyhQBJYEAavKDrYZ57nO1eqbhwRKe4/j71UcET5p0nljHuN/tBG9KqU1JX7oLXwLPDEoFuAswgsVibUidK4yesfaSKrwfE6CUBV1GdS4UAxljsp9J57ZnTa1aY0ldyfMGJknM8gTzOe3Op/qyaABBHIwYkHYLzOxkySPywQm6Ly8vt82HOKawczjuHv3ALlvSCGnQSMgK3lnItkkKOZB5gSKRxK31QarSMoZdQUWtQXVBY6jJnw1YFTOq4P/pxXU8QI0JgTBXPlJMAbSBgwvzfhnY47nA3fE1211kzq1nKyVC6fMNIXU0gZhSAw+Wm1pQnBTePnzJSzi7Fvh3CubWg2gIyZW3rG0DygoCFVV5zpWFUYCrNniQ7G2ttkDHQTiIEhSGM6oAhjOLnLTnda47iRAa2tsENACyB5Cyjy3NwWVYgA6HMgFaS/EXHV/BUPc06iCfJO+mZ8x1agMwJ5xWWLlJOySXkuMu/EL6XE1FCJOoiNRHhLAVR8xFzVzESNgai8HY+cET9G5b1j5jzjbtNc9eJ4iyGYpbZxKm6SCCwZRpADSJGshRtqExBnrcOr3pYRpaBqPzMJyGx5V5aF7ySadS00uayt57v7FW74FW7ZZoC6zOQG8q9dbjdo+hT6kVlfhL7OzKA42UQnkIXACtCKNRIjpmsXDcNaskWiH8RWAA0JpPzKCpaAFbYzg6PenpxZCpas+IZVAFI0BiR1BJhZ83+FuYml1a06jaWxKSQ/j/FW6bupQyyZQzEIsSPqMlxB3gbCo4t1ew1y0oQyoZYI8NzBycHwm+4P2W1j4g6AqOHIBK6lW3cLw0yCxMMQsHUTAIKxkGl8NcFq9BI05V84ZSsx6iZB7HrTuHu46ZLAmfLJNdxpv3bVjxEuLcd7S6TE6yqgQNyW35HLDrWRfhzpde8XCaWKrdYkM6svzKCvlgudgRgx36D2SrsiGDZVnQgSWDxLKRzgvgyCT/dFZOOYsSCJFhQ4uGfMjcjiJ6EdD3jK4uMnH2bGyzHUT/XnW47KQ5MAM06QAWMhSAZEgDl5SZljWnhf6QqwbUpNxVVXOFEszKpk7KYydhK9DGCr8JxK6ntuw0XEKmThWGVMdd/yq9SjHT9jLT4hynkTedrlpLz4a5IfSMSgM4zGBv0k9K0fDvFCKB8qrHnjRnJXqemKvZeytrwgXQAaluMY84z9OwicnYA7RRZhra+JddWtOxRlHmhrbJpzKneZI3XtNTGTS22f6L6YuWq5PxPjkVlt3ALdv5tUcoERp6kspAncZrn8VwdtL40MSpGCNQhhIOcTIBEgnKsJ3FX4/S1uzZWdSKqqxJ1tAGfJLbicSZpl5VZNMaIM+TGwhTuQsSee5PkzTV6k2pMpLQ0zl/EOHGjUEDNaYA+RWY2mOIkGSjwOcC4OlaeGDy/l8JdXlDCWKgDTKg4cEtkldzvitnDWmtgMh8P++SZfnE/M4mMIAvUVYMoxbUv3eIH+UY/1T/hrSqetrF2U1aY5E2OCxqAmD87EQD2JhVPZRq9acWUE73G5/MBPU7O3qSnvVjaLGXYmNsnHYdB2EDtTFUAQMCuhS4GT68GaVZdhZRmADGFGyiIHsMA94nvV0tgbD/f1POr0V0adCFPZCJSctwooopxUKKKKAHCLerOTG2wG37CeWBioHpn7zGw/j/M1ayqtMGCOXoMwd/5O9HD8SVBED1H2+/bb2wOCdsi2C2Cdzk8+R5dZ3G84g/KXLJUxgnfscQPQ/8AGRigj1/P+HPf396GkEznrz/5jb9+QBq4K4Nsz337TyHbkfWQJ4jiIwPc/pSEtSNUT027ebuAY946VQNnrkTnr1P8k8qAG8RaF2yyFgqlSrE8tQI1QcMxEj19a4jf0cy51vE7MBJn6SDyxb56j4STGSe3abUwkaYmORHp+H1+b/DtWw2gREY/h6Vmjw6Tzt4L6zzfB/ALttf/AC93SwYGTti2ywRBwx0gneFG5Em11L3zf1iWDCCpJyDB8oB8Q6AuDA1M8natn9X1sVVtYBJGwRcRyzcO4idPXoMg+HXUdrgvgqGwxMBQDhTC5EH5EgmAJXeirTT5rZ+forGTNfBWHa2DffBnyhizPLHSrNEtAgaQMxWi9fUEAkJpkBFMN6Nozy+ReglhtXFtXri2283nLMTc3ZpOBkeUHExk9alUkSefIfqedLwt8/wKnxKWIhxrl2MM0RCgBQVEbCPKg7DPedm/C+PveJ4VrCGTBKl5iWILQCZWM4/tJ+iqyB2rPw6+fWrMsA6SAN8xviM+vpS6i1ppmenUaldnpODa4Gb+sqnmC6QsNsg1TjEnV2/iefx/Em4fDsWlCgqSQFDNpwIIwsbA59hUfCLGsOtxmZznLGDIiQDuQes8qwNwAS+X1XNtLjYfKQdOlgQJ0Gd/KR9ZhEKCWd3+jZKd0nsmTfW5oKMxUrPlG25OZGZ+3blXJ4OzetNovXLYuEBkmGBGlycaD9WkjpzwAD0BYfxbjKS2vSdizDfMDEcpJUABczM2t/A0fSwU3SgYgI4x8sg3MIMhTCh8jetLTcbvCEU1aeMhomzY13AbvDMAxWCSmohGxjDareJAJ58+34otkMxHhsG0JB1sjRjTGADnPpis1jhCGUOAg4hbibGUdiHUlmJZzqAgkxnAFItWA66iVS6gCkNgFdTEjAJJVicRyHWk1kppSv8ARj9Ti2kZhbElZOldhtI5Ex7jflVLt0aSFG2ZEQIzM7farcUEYeSbjA5YwqbgxuR7Ek9qvYsaiwMsxwESRt+KBrPoNJ3mOb4RbRhdN3LXDbMA67jiG0KSoUg4JKmSJ6lVPOlXLep2doUlp8kDJ6vtzOADvvWg2woAYhQNkWJB9B5VPcy3Y0xXb6B4fc5f77j20+hptLh3J8quy8ppKzwLXhdIzCA7jOpu5WdR9XIHel8TfYLNlNRBGWCsSJyBPkX1hiOprQnDAd/X9tqdXSp8A31v8CHXs8Iz27RaS4zqbmTqGo6SSSSTEduwp4FTRXRp0o01aKESk5O7CiiimFQooooAKKKKACiiigBVu7qIznqdx37gR7e0VrtguTzI5zy29JwP9jMp4ThNzzGw7bwO8jI7RyM6bilRjD4J7Db88fl6HgRvbJ2Y3tkqV9QfsfXt0+9XS7gqBJbH+36/f0NWMnfJkycAQJJJ5ACk8H8RVXMghT8rn0HzD6dRE/6RyFUqS0osmr2Yy7ag/V2OJkSD2XI3Wd9pOqoKzv39M7nJOe+Z5mujbAYHmCW/7jXN4riVUwnn3E/SIEkTsx7SBymrRd4psmWGWuXYlnIAPPr2A5n/AJqLjvdtsTKLsoP1n2y07QAB3auWfhfikX7lxlIwQ2EADbGDJJU3FCKJ88xjNbFoo+pHaNGjOCZIJIAJFsSDCjbUetInUb2wvm39lJTjFXZ0rjaRDjzfgU5/zMD5R/dGe4rLcuFiCeQgAYVR0AGBVAKmqym2Y51HIhlkRSFssJiBPPM/t7VorNxLOGTSAVzqEhdhqA1EiNQDLMiCVOwNKbsrlIx1OxPhANnzSOf7dD+lPpbcexAtC2gALS6rpXHykEsWbOMzMAzG1X0jLGT05fbYe9RBuXYvOCi7J3HcNxpVg6DVEzmAQdxP2PtQnGC7eIKmWB0idIY6ToyPNBIjEcs1i4nirgXUEYLMAxkz8sT1aFHcircCtsnUWLL5ZiNLBkmQQ3zAMrZ29cC11F5HU4ztZ7DH4kR5nCIchSIQ5GyDLGJ8x1Z3I3pdy5/V+LT/AMyxtOqv5QYIdp8gVtm0rkf3j1rXc4cXAutbfmg6rurUMtMWhnLM7iREP2FOf+j1prBKr4mlQouXwoTSARoRXJ6kSe+aPSnUeXgdHTF4yzm8Fcbwl0tqU6CLj6gWNva4JlmYjBwa6nxfhJuakUv4o16T8owNRKASFMzLmJJxzrInDIIGXIEQuoKBEAEk6mH+nsa3SWtaDCqpkKoAA9gM88mT351rpUbLC9+wtzjtuZkADKWOsja2uVjpqA0heyAjuK1XeJuOIJFtPwIAB7gfrPtVUQDb+f3q1dSnwcV1ZMU68pbYF27IXYe/Or1NFbVFRVkICiiipICiiigAooooAKKKKACiiigAooooAcRpIztzHIg9+cYnaemSb2FJUydjmZkHEDvv+c86WE/2/nnU2m80GSuMSftHOZ2+2WxwTtln4BntnzQTHoYMgHqs/ffpHP8A6uQYuDSAYPfso3afsOddHifjKCQjKWG8sAFOcHMlvK3lHQyRFRYdMuHW6wwzyNCdpGF/wjzdudJqON/qQ6SnlgeHZgxP9kh2UyZJ2kDkT9I32zSH4cyXIJKqJtTAUgEGWBOgQT5FzkzE4OJ455wpyCdRlWgFZ0qDNpCCRJyZ3xFdewV0jTGkgEYjBztSXV+txuhSPOFiYmMYUAQqjoqjCj8zzJopvFWNDleQ29OX7e1Kql75OXNNSaYUVDOBv/PtUcMrXW0pA3kscADfOwP354xRsrsIwctiS0b0kurymoL1LECMM0wT0RjmPlO9I49goIfdcllyGR8WyCXByykYGnzAkQDDvC4c6StsllmJy24dSQvlUalkqOU7gmqyla2nNzTCglmQ/g+ERwYvAhkDgJ0aRq1ECFkH7HNY+L4Z7boqf2k506ATqBEwhePlD4PMJTRw+ZJgYMK0kHzT52JAksxJXVk8sRoXhdKna0COchiOWPnYesL6U2Op74+xdunHpRn4Tib9wEX5t51QMvmYAKvGFC5bTE8ztps8NCyAFH42beOjRn0QT1mpsgAAIu31PBnuEyo/6uxFM8GTqYl26tn+NbKXByllKy8mepWVyttx9K6z+JhCf6fq9Wn/AA1e4jOdVxix+wHYDkOwgdqvU106fCQhvkyyqyeCFUDAxVkOfyqKitE4KUXErCWmSZMUVL8j1/iKiq0paoompHTIKKKKaLCiiigAooooAKKKKACiiigAooooAKKKKALK4jzHG2xM42EfMe36SRZV1HIKoT8oPmM9SO/Ib9TtU2+HgFiQAMFmwB2HT/CN+5zVvHJ/9OUH4yPOfQHCD/qPauCdsy3/AOjdu47AA6juFOnSDpgNj+zEJgAFst8sk1j+N/CyistnUqt/aAAlQuNF1cZOBgDPlkzGIs/CdV+4wuuof6VErqlZG4EEsrwcZZdq6C8G1tXYnUyXNYmZ0x4bqfMwLEiSQROucbVzqk25yiMjseRs/B7qEv8A1gu5kmC0QykPAmYIYwJ6HtXf+EcPeuGBxBhGZh/9xS7GG0mIEgSsYIiOfEX4Sgbyl1GSCIyAScSOQIX0RM9dvwuwUC2lfSBI1NgDYwNBB0iR2gDpU7ZM1Kqli+56L45eQR5hqU5HMA9eQz1jc153i/iukYVjkDA6z13wCTA2BzXW+LWjwlrxBaW45LFS0tpAAIAUQNW+QOXOuEvE3rwN1bAEA6iQRbLSslWJ8xPmIUA8omTFYScule5apGLld7mmxbtXiqXGeblwqrKEKmFDLOTmWTctBkYianhfhXDhWAF1irg6RphQHVlDOfIoAQKAe5yYja3DIWJcC55tQUDRbU8yAPO33WehxTX4nby21jChbawP8IYHPU71ZU2+pv2IlWjHCFqoa4D4aNpRkCKpaFaZBaNbZM4CjpV1shRBIUb6RknuQDAPd2mrEuwgk6ehJj/QMVKcMBvn129htXRpcHNqyVl9TLOumFq8d7ahf758zeoJEA/4QPWsFq/eHlNlSdYlyCSRqjVJfB8pbbZ1G4M9Wit3+hTaV28O4pV5IKKKK3mcKKKKACiiigCRsR7iq1IMZoYQaRHlqNecj5c0E/GAooop4gKKKKACiiigAooooAKKKigCaKS3Ejl5vT99qW989Qvpk/n+1ZqnFU4Ybz9CyizQzgbkD1pf9YXv/pb9qQCJ5z3mfz5VHijrWGf+Qne0Y/kuoHS4twGSW1SxCiICeSRpH8SSSQfQ1IcFZ37DIIidx3xXBb4IrFTo4t3BYt/ZsoMtqxgxjSsY8qr0rbwitatBFtXAqzlyi7kn6iAd6yQk7cx1NS7FOOt3Zm03hzqJLQoJEMgIWRggyRB0kgbAVHEm+vy8Rqy0kiVKkWxJJUEnyEmBAnFNUuxGvw1gNk3FY+ZGXa3JJGqe0VU253f2RPX6rkf9lInDmUkUdVxVonL/AKpxChka6kI2liwk+S4JBMADUoyc7x0NdAWGIBACqTIdsA+ixqubkYERzrQ10a9SoA8KJy7+VQoMthTAHmAWgWWJkmJ3Myx9Sf8Aem0+HlN8i/ozVKivd5FtbWQWm6RgeJkDsloEge5b0phV2Mn7sduwA2HbFOS0Bt9+f3q9dKlwEUuf8LCESrSkZ/6sfxfYD9ZpqWgNvvz+9XorZChTp5ihd2yKmiinFQooooAKKKKACiiigAooooAKk7A9MftUVKjcdaRWwlLwOpZbj5IoqKmnrIoKKKKCAooooAKgmprPxVz6eu/ft/P60urU9OLkSlchuIPLA6n9v3+1Lgt1budvXp9ganhnDMdjH5GTONxyrTcuACSQB1NYIU51466krLwXvbCFDhzzPsP3/wCKalsDYfz60KWb5VOdi0gHuBBdh3Cmoa2v1OW7LgbnoZbbbWp7UxSoUcQXz7jI0ZzF8UAYTckiBAJ74g8se9C8IwEbRy8VRHsbkj0rUqkYVQgInAExgSRADZjDAnJzijxP7z/+5cH5B4HpWKtL1ZXeDVDh0lkweGOg+wqQg6CiiueZmyaWhm4FO0en5jNFFOoJOrFPyQ9jaqgYGKmpor0qM4UUUVIBRRRQAUUUUAFFFFABRRRQAUUUUAFFFFABQKKKpU6WXh1Il9zUUUVFLoRNXrf3CiiimCwooooAK51m8WJkn+H8N6KK5v8AkZOMFZjIF7ohTGImO3pXYscGi3bAA+dCzGSWmOTE6l9ARUUVzKT7G2glkx2nLg6sg3WUjYEANEgYJwPNv3rbxOLawBkAnA6D96KKeahFs+b1Df8Aa/7Cu+vwSzA8p/1P+9RRQB//2Q=="/>
+          <p:cNvSpPr>
+            <a:spLocks noChangeAspect="1" noChangeArrowheads="1"/>
+          </p:cNvSpPr>
+          <p:nvPr/>
+        </p:nvSpPr>
+        <p:spPr bwMode="auto">
+          <a:xfrm>
+            <a:off x="155575" y="-144463"/>
+            <a:ext cx="304800" cy="304801"/>
+          </a:xfrm>
+          <a:prstGeom prst="rect">
+            <a:avLst/>
+          </a:prstGeom>
+          <a:noFill/>
+          <a:extLst>
+            <a:ext uri="{909E8E84-426E-40DD-AFC4-6F175D3DCCD1}">
+              <a14:hiddenFill xmlns:a14="http://schemas.microsoft.com/office/drawing/2010/main" xmlns:p="http://schemas.openxmlformats.org/presentationml/2006/main" xmlns:r="http://schemas.openxmlformats.org/officeDocument/2006/relationships" xmlns:a="http://schemas.openxmlformats.org/drawingml/2006/main" xmlns="">
+                <a:solidFill>
+                  <a:srgbClr val="FFFFFF"/>
+                </a:solidFill>
+              </a14:hiddenFill>
+            </a:ext>
+          </a:extLst>
+        </p:spPr>
+        <p:txBody>
+          <a:bodyPr vert="horz" wrap="square" lIns="91440" tIns="45720" rIns="91440" bIns="45720" numCol="1" anchor="t" anchorCtr="0" compatLnSpc="1">
+            <a:prstTxWarp prst="textNoShape">
+              <a:avLst/>
+            </a:prstTxWarp>
+          </a:bodyPr>
+          <a:lstStyle/>
+          <a:p>
+            <a:endParaRPr lang="en-US"/>
+          </a:p>
+        </p:txBody>
+      </p:sp>
+      <p:pic>
+        <p:nvPicPr>
+          <p:cNvPr id="2064" name="Picture 16"/>
+          <p:cNvPicPr>
+            <a:picLocks noChangeAspect="1" noChangeArrowheads="1"/>
+          </p:cNvPicPr>
+          <p:nvPr/>
+        </p:nvPicPr>
+        <p:blipFill>
+          <a:blip r:embed="rId10">
+            <a:extLst>
+              <a:ext uri="{28A0092B-C50C-407E-A947-70E740481C1C}">
+                <a14:useLocalDpi xmlns:a14="http://schemas.microsoft.com/office/drawing/2010/main" xmlns:p="http://schemas.openxmlformats.org/presentationml/2006/main" xmlns:r="http://schemas.openxmlformats.org/officeDocument/2006/relationships" xmlns:a="http://schemas.openxmlformats.org/drawingml/2006/main" xmlns="" val="0"/>
+              </a:ext>
+            </a:extLst>
+          </a:blip>
+          <a:srcRect/>
+          <a:stretch>
+            <a:fillRect/>
+          </a:stretch>
+        </p:blipFill>
+        <p:spPr bwMode="auto">
+          <a:xfrm>
+            <a:off x="1524000" y="1656272"/>
+            <a:ext cx="1232180" cy="782128"/>
+          </a:xfrm>
+          <a:prstGeom prst="rect">
+            <a:avLst/>
+          </a:prstGeom>
+          <a:noFill/>
+          <a:ln>
+            <a:noFill/>
+          </a:ln>
+          <a:extLst>
+            <a:ext uri="{909E8E84-426E-40DD-AFC4-6F175D3DCCD1}">
+              <a14:hiddenFill xmlns:a14="http://schemas.microsoft.com/office/drawing/2010/main" xmlns:p="http://schemas.openxmlformats.org/presentationml/2006/main" xmlns:r="http://schemas.openxmlformats.org/officeDocument/2006/relationships" xmlns:a="http://schemas.openxmlformats.org/drawingml/2006/main" xmlns="">
+                <a:solidFill>
+                  <a:schemeClr val="accent1"/>
+                </a:solidFill>
+              </a14:hiddenFill>
+            </a:ext>
+            <a:ext uri="{91240B29-F687-4F45-9708-019B960494DF}">
+              <a14:hiddenLine xmlns:a14="http://schemas.microsoft.com/office/drawing/2010/main" xmlns:p="http://schemas.openxmlformats.org/presentationml/2006/main" xmlns:r="http://schemas.openxmlformats.org/officeDocument/2006/relationships" xmlns:a="http://schemas.openxmlformats.org/drawingml/2006/main" xmlns="" w="9525">
+                <a:solidFill>
+                  <a:schemeClr val="tx1"/>
+                </a:solidFill>
+                <a:miter lim="800000"/>
+                <a:headEnd/>
+                <a:tailEnd/>
+              </a14:hiddenLine>
+            </a:ext>
+          </a:extLst>
+        </p:spPr>
+      </p:pic>
+      <p:sp>
+        <p:nvSpPr>
+          <p:cNvPr id="16" name="TextBox 15"/>
+          <p:cNvSpPr txBox="1"/>
+          <p:nvPr/>
+        </p:nvSpPr>
+        <p:spPr>
+          <a:xfrm>
+            <a:off x="1524000" y="2401669"/>
+            <a:ext cx="1447800" cy="646331"/>
+          </a:xfrm>
+          <a:prstGeom prst="rect">
+            <a:avLst/>
+          </a:prstGeom>
+          <a:noFill/>
+        </p:spPr>
+        <p:txBody>
+          <a:bodyPr wrap="square" rtlCol="0">
+            <a:spAutoFit/>
+          </a:bodyPr>
+          <a:lstStyle/>
+          <a:p>
+            <a:r>
+              <a:rPr lang="en-US" dirty="0" smtClean="0"/>
+              <a:t>FREE FOOD: Lobby 10</a:t>
+            </a:r>
+            <a:endParaRPr lang="en-US" dirty="0"/>
+          </a:p>
+        </p:txBody>
+      </p:sp>
+      <p:sp>
+        <p:nvSpPr>
+          <p:cNvPr id="25" name="Rounded Rectangular Callout 24"/>
+          <p:cNvSpPr/>
+          <p:nvPr/>
+        </p:nvSpPr>
+        <p:spPr>
+          <a:xfrm>
+            <a:off x="3352800" y="685800"/>
+            <a:ext cx="2400300" cy="1524000"/>
+          </a:xfrm>
+          <a:prstGeom prst="wedgeRoundRectCallout">
+            <a:avLst/>
+          </a:prstGeom>
+          <a:solidFill>
+            <a:srgbClr val="FFFFFF">
+              <a:alpha val="80000"/>
+            </a:srgbClr>
+          </a:solidFill>
+        </p:spPr>
+        <p:style>
+          <a:lnRef idx="2">
+            <a:schemeClr val="accent1"/>
+          </a:lnRef>
+          <a:fillRef idx="1">
+            <a:schemeClr val="lt1"/>
+          </a:fillRef>
+          <a:effectRef idx="0">
+            <a:schemeClr val="accent1"/>
+          </a:effectRef>
+          <a:fontRef idx="minor">
+            <a:schemeClr val="dk1"/>
+          </a:fontRef>
+        </p:style>
+        <p:txBody>
+          <a:bodyPr rtlCol="0" anchor="ctr"/>
+          <a:lstStyle/>
+          <a:p>
+            <a:pPr algn="ctr"/>
+            <a:r>
+              <a:rPr lang="en-US" sz="2400" dirty="0" smtClean="0"/>
+              <a:t>Free food in Lobby 10? Yum!</a:t>
+            </a:r>
+            <a:endParaRPr lang="en-US" sz="2400" dirty="0"/>
+          </a:p>
+        </p:txBody>
+      </p:sp>
+      <p:sp>
+        <p:nvSpPr>
+          <p:cNvPr id="26" name="Rounded Rectangular Callout 25"/>
+          <p:cNvSpPr/>
+          <p:nvPr/>
+        </p:nvSpPr>
+        <p:spPr>
+          <a:xfrm>
+            <a:off x="3352800" y="685800"/>
+            <a:ext cx="2400300" cy="1524000"/>
+          </a:xfrm>
+          <a:prstGeom prst="wedgeRoundRectCallout">
+            <a:avLst/>
+          </a:prstGeom>
+          <a:solidFill>
+            <a:srgbClr val="FFFFFF">
+              <a:alpha val="80000"/>
+            </a:srgbClr>
+          </a:solidFill>
+        </p:spPr>
+        <p:style>
+          <a:lnRef idx="2">
+            <a:schemeClr val="accent1"/>
+          </a:lnRef>
+          <a:fillRef idx="1">
+            <a:schemeClr val="lt1"/>
+          </a:fillRef>
+          <a:effectRef idx="0">
+            <a:schemeClr val="accent1"/>
+          </a:effectRef>
+          <a:fontRef idx="minor">
+            <a:schemeClr val="dk1"/>
+          </a:fontRef>
+        </p:style>
+        <p:txBody>
+          <a:bodyPr rtlCol="0" anchor="ctr"/>
+          <a:lstStyle/>
+          <a:p>
+            <a:pPr algn="ctr"/>
+            <a:r>
+              <a:rPr lang="en-US" dirty="0" smtClean="0"/>
+              <a:t>SO HUNGRY!</a:t>
+            </a:r>
+            <a:r>
+              <a:rPr lang="en-US" dirty="0" smtClean="0">
+                <a:sym typeface="Wingdings" panose="05000000000000000000" pitchFamily="2" charset="2"/>
+              </a:rPr>
+              <a:t> Let me check </a:t>
+            </a:r>
+            <a:r>
+              <a:rPr lang="en-US" dirty="0" err="1" smtClean="0">
+                <a:sym typeface="Wingdings" panose="05000000000000000000" pitchFamily="2" charset="2"/>
+              </a:rPr>
+              <a:t>ByteMap</a:t>
+            </a:r>
+            <a:r>
+              <a:rPr lang="en-US" dirty="0" smtClean="0">
+                <a:sym typeface="Wingdings" panose="05000000000000000000" pitchFamily="2" charset="2"/>
+              </a:rPr>
+              <a:t>, a site that keeps track of free food on campus!</a:t>
+            </a:r>
+            <a:endParaRPr lang="en-US" dirty="0"/>
+          </a:p>
+        </p:txBody>
+      </p:sp>
+      <p:sp>
+        <p:nvSpPr>
+          <p:cNvPr id="27" name="TextBox 26"/>
+          <p:cNvSpPr txBox="1"/>
+          <p:nvPr/>
+        </p:nvSpPr>
+        <p:spPr>
+          <a:xfrm>
+            <a:off x="1600200" y="1307068"/>
+            <a:ext cx="1148398" cy="369332"/>
+          </a:xfrm>
+          <a:prstGeom prst="rect">
+            <a:avLst/>
+          </a:prstGeom>
+          <a:noFill/>
+        </p:spPr>
+        <p:txBody>
+          <a:bodyPr wrap="square" rtlCol="0">
+            <a:spAutoFit/>
+          </a:bodyPr>
+          <a:lstStyle/>
+          <a:p>
+            <a:r>
+              <a:rPr lang="en-US" dirty="0" err="1" smtClean="0"/>
+              <a:t>ByteMap</a:t>
+            </a:r>
+            <a:endParaRPr lang="en-US" dirty="0"/>
+          </a:p>
+        </p:txBody>
+      </p:sp>
+    </p:spTree>
+    <p:extLst>
+      <p:ext uri="{BB962C8B-B14F-4D97-AF65-F5344CB8AC3E}">
+        <p14:creationId xmlns:p14="http://schemas.microsoft.com/office/powerpoint/2010/main" xmlns:p="http://schemas.openxmlformats.org/presentationml/2006/main" xmlns:r="http://schemas.openxmlformats.org/officeDocument/2006/relationships" xmlns:a="http://schemas.openxmlformats.org/drawingml/2006/main" xmlns="" val="2859216554"/>
+      </p:ext>
+    </p:extLst>
+  </p:cSld>
+  <p:clrMapOvr>
+    <a:masterClrMapping/>
+  </p:clrMapOvr>
+  <p:timing>
+    <p:tnLst>
+      <p:par>
+        <p:cTn id="1" dur="indefinite" restart="never" nodeType="tmRoot">
+          <p:childTnLst>
+            <p:seq concurrent="1" nextAc="seek">
+              <p:cTn id="2" dur="indefinite" nodeType="mainSeq">
+                <p:childTnLst>
+                  <p:par>
+                    <p:cTn id="3" fill="hold">
+                      <p:stCondLst>
+                        <p:cond delay="indefinite"/>
+                        <p:cond evt="onBegin" delay="0">
+                          <p:tn val="2"/>
+                        </p:cond>
+                      </p:stCondLst>
+                      <p:childTnLst>
+                        <p:par>
+                          <p:cTn id="4" fill="hold">
+                            <p:stCondLst>
+                              <p:cond delay="0"/>
+                            </p:stCondLst>
+                            <p:childTnLst>
+                              <p:par>
+                                <p:cTn id="5" presetID="1" presetClass="entr" presetSubtype="0" fill="hold" grpId="0" nodeType="withEffect">
+                                  <p:stCondLst>
+                                    <p:cond delay="0"/>
+                                  </p:stCondLst>
+                                  <p:childTnLst>
+                                    <p:set>
+                                      <p:cBhvr>
+                                        <p:cTn id="6" dur="1" fill="hold">
+                                          <p:stCondLst>
+                                            <p:cond delay="249"/>
+                                          </p:stCondLst>
+                                        </p:cTn>
+                                        <p:tgtEl>
+                                          <p:spTgt spid="4"/>
+                                        </p:tgtEl>
+                                        <p:attrNameLst>
+                                          <p:attrName>style.visibility</p:attrName>
+                                        </p:attrNameLst>
+                                      </p:cBhvr>
+                                      <p:to>
+                                        <p:strVal val="visible"/>
+                                      </p:to>
+                                    </p:set>
+                                  </p:childTnLst>
+                                </p:cTn>
+                              </p:par>
+                              <p:par>
+                                <p:cTn id="7" presetID="1" presetClass="entr" presetSubtype="0" fill="hold" nodeType="withEffect">
+                                  <p:stCondLst>
+                                    <p:cond delay="0"/>
+                                  </p:stCondLst>
+                                  <p:childTnLst>
+                                    <p:set>
+                                      <p:cBhvr>
+                                        <p:cTn id="8" dur="1" fill="hold">
+                                          <p:stCondLst>
+                                            <p:cond delay="0"/>
+                                          </p:stCondLst>
+                                        </p:cTn>
+                                        <p:tgtEl>
+                                          <p:spTgt spid="7"/>
+                                        </p:tgtEl>
+                                        <p:attrNameLst>
+                                          <p:attrName>style.visibility</p:attrName>
+                                        </p:attrNameLst>
+                                      </p:cBhvr>
+                                      <p:to>
+                                        <p:strVal val="visible"/>
+                                      </p:to>
+                                    </p:set>
+                                  </p:childTnLst>
+                                </p:cTn>
+                              </p:par>
+                            </p:childTnLst>
+                          </p:cTn>
+                        </p:par>
+                        <p:par>
+                          <p:cTn id="9" fill="hold">
+                            <p:stCondLst>
+                              <p:cond delay="250"/>
+                            </p:stCondLst>
+                            <p:childTnLst>
+                              <p:par>
+                                <p:cTn id="10" presetID="1" presetClass="exit" presetSubtype="0" fill="hold" grpId="1" nodeType="afterEffect">
+                                  <p:stCondLst>
+                                    <p:cond delay="2750"/>
+                                  </p:stCondLst>
+                                  <p:childTnLst>
+                                    <p:set>
+                                      <p:cBhvr>
+                                        <p:cTn id="11" dur="1" fill="hold">
+                                          <p:stCondLst>
+                                            <p:cond delay="0"/>
+                                          </p:stCondLst>
+                                        </p:cTn>
+                                        <p:tgtEl>
+                                          <p:spTgt spid="4"/>
+                                        </p:tgtEl>
+                                        <p:attrNameLst>
+                                          <p:attrName>style.visibility</p:attrName>
+                                        </p:attrNameLst>
+                                      </p:cBhvr>
+                                      <p:to>
+                                        <p:strVal val="hidden"/>
+                                      </p:to>
+                                    </p:set>
+                                  </p:childTnLst>
+                                </p:cTn>
+                              </p:par>
+                            </p:childTnLst>
+                          </p:cTn>
+                        </p:par>
+                        <p:par>
+                          <p:cTn id="12" fill="hold">
+                            <p:stCondLst>
+                              <p:cond delay="3000"/>
+                            </p:stCondLst>
+                            <p:childTnLst>
+                              <p:par>
+                                <p:cTn id="13" presetID="0" presetClass="path" presetSubtype="0" accel="50000" decel="50000" fill="hold" nodeType="afterEffect">
+                                  <p:stCondLst>
+                                    <p:cond delay="0"/>
+                                  </p:stCondLst>
+                                  <p:childTnLst>
+                                    <p:animMotion origin="layout" path="M -6.38889E-6 -7.40741E-7 L 0.28176 -0.17361 L 0.24843 -0.28681 " pathEditMode="relative" ptsTypes="AAA">
+                                      <p:cBhvr>
+                                        <p:cTn id="14" dur="2000" fill="hold"/>
+                                        <p:tgtEl>
+                                          <p:spTgt spid="7"/>
+                                        </p:tgtEl>
+                                        <p:attrNameLst>
+                                          <p:attrName>ppt_x</p:attrName>
+                                          <p:attrName>ppt_y</p:attrName>
+                                        </p:attrNameLst>
+                                      </p:cBhvr>
+                                    </p:animMotion>
+                                  </p:childTnLst>
+                                </p:cTn>
+                              </p:par>
+                            </p:childTnLst>
+                          </p:cTn>
+                        </p:par>
+                        <p:par>
+                          <p:cTn id="15" fill="hold">
+                            <p:stCondLst>
+                              <p:cond delay="5000"/>
+                            </p:stCondLst>
+                            <p:childTnLst>
+                              <p:par>
+                                <p:cTn id="16" presetID="1" presetClass="entr" presetSubtype="0" fill="hold" grpId="0" nodeType="afterEffect">
+                                  <p:stCondLst>
+                                    <p:cond delay="0"/>
+                                  </p:stCondLst>
+                                  <p:childTnLst>
+                                    <p:set>
+                                      <p:cBhvr>
+                                        <p:cTn id="17" dur="1" fill="hold">
+                                          <p:stCondLst>
+                                            <p:cond delay="0"/>
+                                          </p:stCondLst>
+                                        </p:cTn>
+                                        <p:tgtEl>
+                                          <p:spTgt spid="6"/>
+                                        </p:tgtEl>
+                                        <p:attrNameLst>
+                                          <p:attrName>style.visibility</p:attrName>
+                                        </p:attrNameLst>
+                                      </p:cBhvr>
+                                      <p:to>
+                                        <p:strVal val="visible"/>
+                                      </p:to>
+                                    </p:set>
+                                  </p:childTnLst>
+                                </p:cTn>
+                              </p:par>
+                            </p:childTnLst>
+                          </p:cTn>
+                        </p:par>
+                        <p:par>
+                          <p:cTn id="18" fill="hold">
+                            <p:stCondLst>
+                              <p:cond delay="5000"/>
+                            </p:stCondLst>
+                            <p:childTnLst>
+                              <p:par>
+                                <p:cTn id="19" presetID="1" presetClass="entr" presetSubtype="0" fill="hold" nodeType="afterEffect">
+                                  <p:stCondLst>
+                                    <p:cond delay="4000"/>
+                                  </p:stCondLst>
+                                  <p:childTnLst>
+                                    <p:set>
+                                      <p:cBhvr>
+                                        <p:cTn id="20" dur="1" fill="hold">
+                                          <p:stCondLst>
+                                            <p:cond delay="0"/>
+                                          </p:stCondLst>
+                                        </p:cTn>
+                                        <p:tgtEl>
+                                          <p:spTgt spid="2053"/>
+                                        </p:tgtEl>
+                                        <p:attrNameLst>
+                                          <p:attrName>style.visibility</p:attrName>
+                                        </p:attrNameLst>
+                                      </p:cBhvr>
+                                      <p:to>
+                                        <p:strVal val="visible"/>
+                                      </p:to>
+                                    </p:set>
+                                  </p:childTnLst>
+                                </p:cTn>
+                              </p:par>
+                              <p:par>
+                                <p:cTn id="21" presetID="1" presetClass="entr" presetSubtype="0" fill="hold" grpId="0" nodeType="withEffect">
+                                  <p:stCondLst>
+                                    <p:cond delay="4000"/>
+                                  </p:stCondLst>
+                                  <p:childTnLst>
+                                    <p:set>
+                                      <p:cBhvr>
+                                        <p:cTn id="22" dur="1" fill="hold">
+                                          <p:stCondLst>
+                                            <p:cond delay="0"/>
+                                          </p:stCondLst>
+                                        </p:cTn>
+                                        <p:tgtEl>
+                                          <p:spTgt spid="8"/>
+                                        </p:tgtEl>
+                                        <p:attrNameLst>
+                                          <p:attrName>style.visibility</p:attrName>
+                                        </p:attrNameLst>
+                                      </p:cBhvr>
+                                      <p:to>
+                                        <p:strVal val="visible"/>
+                                      </p:to>
+                                    </p:set>
+                                  </p:childTnLst>
+                                </p:cTn>
+                              </p:par>
+                              <p:par>
+                                <p:cTn id="23" presetID="1" presetClass="entr" presetSubtype="0" fill="hold" grpId="0" nodeType="withEffect">
+                                  <p:stCondLst>
+                                    <p:cond delay="4000"/>
+                                  </p:stCondLst>
+                                  <p:childTnLst>
+                                    <p:set>
+                                      <p:cBhvr>
+                                        <p:cTn id="24" dur="1" fill="hold">
+                                          <p:stCondLst>
+                                            <p:cond delay="0"/>
+                                          </p:stCondLst>
+                                        </p:cTn>
+                                        <p:tgtEl>
+                                          <p:spTgt spid="13"/>
+                                        </p:tgtEl>
+                                        <p:attrNameLst>
+                                          <p:attrName>style.visibility</p:attrName>
+                                        </p:attrNameLst>
+                                      </p:cBhvr>
+                                      <p:to>
+                                        <p:strVal val="visible"/>
+                                      </p:to>
+                                    </p:set>
+                                  </p:childTnLst>
+                                </p:cTn>
+                              </p:par>
+                              <p:par>
+                                <p:cTn id="25" presetID="1" presetClass="exit" presetSubtype="0" fill="hold" grpId="1" nodeType="withEffect">
+                                  <p:stCondLst>
+                                    <p:cond delay="4000"/>
+                                  </p:stCondLst>
+                                  <p:childTnLst>
+                                    <p:set>
+                                      <p:cBhvr>
+                                        <p:cTn id="26" dur="1" fill="hold">
+                                          <p:stCondLst>
+                                            <p:cond delay="0"/>
+                                          </p:stCondLst>
+                                        </p:cTn>
+                                        <p:tgtEl>
+                                          <p:spTgt spid="6"/>
+                                        </p:tgtEl>
+                                        <p:attrNameLst>
+                                          <p:attrName>style.visibility</p:attrName>
+                                        </p:attrNameLst>
+                                      </p:cBhvr>
+                                      <p:to>
+                                        <p:strVal val="hidden"/>
+                                      </p:to>
+                                    </p:set>
+                                  </p:childTnLst>
+                                </p:cTn>
+                              </p:par>
+                            </p:childTnLst>
+                          </p:cTn>
+                        </p:par>
+                        <p:par>
+                          <p:cTn id="27" fill="hold">
+                            <p:stCondLst>
+                              <p:cond delay="9000"/>
+                            </p:stCondLst>
+                            <p:childTnLst>
+                              <p:par>
+                                <p:cTn id="28" presetID="1" presetClass="exit" presetSubtype="0" fill="hold" grpId="1" nodeType="afterEffect">
+                                  <p:stCondLst>
+                                    <p:cond delay="4000"/>
+                                  </p:stCondLst>
+                                  <p:childTnLst>
+                                    <p:set>
+                                      <p:cBhvr>
+                                        <p:cTn id="29" dur="1" fill="hold">
+                                          <p:stCondLst>
+                                            <p:cond delay="0"/>
+                                          </p:stCondLst>
+                                        </p:cTn>
+                                        <p:tgtEl>
+                                          <p:spTgt spid="8"/>
+                                        </p:tgtEl>
+                                        <p:attrNameLst>
+                                          <p:attrName>style.visibility</p:attrName>
+                                        </p:attrNameLst>
+                                      </p:cBhvr>
+                                      <p:to>
+                                        <p:strVal val="hidden"/>
+                                      </p:to>
+                                    </p:set>
+                                  </p:childTnLst>
+                                </p:cTn>
+                              </p:par>
+                              <p:par>
+                                <p:cTn id="30" presetID="1" presetClass="exit" presetSubtype="0" fill="hold" nodeType="withEffect">
+                                  <p:stCondLst>
+                                    <p:cond delay="4000"/>
+                                  </p:stCondLst>
+                                  <p:childTnLst>
+                                    <p:set>
+                                      <p:cBhvr>
+                                        <p:cTn id="31" dur="1" fill="hold">
+                                          <p:stCondLst>
+                                            <p:cond delay="0"/>
+                                          </p:stCondLst>
+                                        </p:cTn>
+                                        <p:tgtEl>
+                                          <p:spTgt spid="2053"/>
+                                        </p:tgtEl>
+                                        <p:attrNameLst>
+                                          <p:attrName>style.visibility</p:attrName>
+                                        </p:attrNameLst>
+                                      </p:cBhvr>
+                                      <p:to>
+                                        <p:strVal val="hidden"/>
+                                      </p:to>
+                                    </p:set>
+                                  </p:childTnLst>
+                                </p:cTn>
+                              </p:par>
+                              <p:par>
+                                <p:cTn id="32" presetID="1" presetClass="exit" presetSubtype="0" fill="hold" grpId="1" nodeType="withEffect">
+                                  <p:stCondLst>
+                                    <p:cond delay="4000"/>
+                                  </p:stCondLst>
+                                  <p:childTnLst>
+                                    <p:set>
+                                      <p:cBhvr>
+                                        <p:cTn id="33" dur="1" fill="hold">
+                                          <p:stCondLst>
+                                            <p:cond delay="0"/>
+                                          </p:stCondLst>
+                                        </p:cTn>
+                                        <p:tgtEl>
+                                          <p:spTgt spid="13"/>
+                                        </p:tgtEl>
+                                        <p:attrNameLst>
+                                          <p:attrName>style.visibility</p:attrName>
+                                        </p:attrNameLst>
+                                      </p:cBhvr>
+                                      <p:to>
+                                        <p:strVal val="hidden"/>
+                                      </p:to>
+                                    </p:set>
+                                  </p:childTnLst>
+                                </p:cTn>
+                              </p:par>
+                            </p:childTnLst>
+                          </p:cTn>
+                        </p:par>
+                        <p:par>
+                          <p:cTn id="34" fill="hold">
+                            <p:stCondLst>
+                              <p:cond delay="13000"/>
+                            </p:stCondLst>
+                            <p:childTnLst>
+                              <p:par>
+                                <p:cTn id="35" presetID="0" presetClass="path" presetSubtype="0" accel="50000" decel="50000" fill="hold" nodeType="afterEffect">
+                                  <p:stCondLst>
+                                    <p:cond delay="0"/>
+                                  </p:stCondLst>
+                                  <p:childTnLst>
+                                    <p:animMotion origin="layout" path="M 0.24843 -0.28681 L 0.18628 -0.36552 L 0.36354 -0.51899 L 0.37864 -0.48867 " pathEditMode="relative" ptsTypes="AAAA">
+                                      <p:cBhvr>
+                                        <p:cTn id="36" dur="2000" fill="hold"/>
+                                        <p:tgtEl>
+                                          <p:spTgt spid="7"/>
+                                        </p:tgtEl>
+                                        <p:attrNameLst>
+                                          <p:attrName>ppt_x</p:attrName>
+                                          <p:attrName>ppt_y</p:attrName>
+                                        </p:attrNameLst>
+                                      </p:cBhvr>
+                                    </p:animMotion>
+                                  </p:childTnLst>
+                                </p:cTn>
+                              </p:par>
+                            </p:childTnLst>
+                          </p:cTn>
+                        </p:par>
+                        <p:par>
+                          <p:cTn id="37" fill="hold">
+                            <p:stCondLst>
+                              <p:cond delay="15000"/>
+                            </p:stCondLst>
+                            <p:childTnLst>
+                              <p:par>
+                                <p:cTn id="38" presetID="1" presetClass="entr" presetSubtype="0" fill="hold" grpId="0" nodeType="afterEffect">
+                                  <p:stCondLst>
+                                    <p:cond delay="0"/>
+                                  </p:stCondLst>
+                                  <p:childTnLst>
+                                    <p:set>
+                                      <p:cBhvr>
+                                        <p:cTn id="39" dur="1" fill="hold">
+                                          <p:stCondLst>
+                                            <p:cond delay="249"/>
+                                          </p:stCondLst>
+                                        </p:cTn>
+                                        <p:tgtEl>
+                                          <p:spTgt spid="14"/>
+                                        </p:tgtEl>
+                                        <p:attrNameLst>
+                                          <p:attrName>style.visibility</p:attrName>
+                                        </p:attrNameLst>
+                                      </p:cBhvr>
+                                      <p:to>
+                                        <p:strVal val="visible"/>
+                                      </p:to>
+                                    </p:set>
+                                  </p:childTnLst>
+                                </p:cTn>
+                              </p:par>
+                              <p:par>
+                                <p:cTn id="40" presetID="1" presetClass="entr" presetSubtype="0" fill="hold" nodeType="withEffect">
+                                  <p:stCondLst>
+                                    <p:cond delay="0"/>
+                                  </p:stCondLst>
+                                  <p:childTnLst>
+                                    <p:set>
+                                      <p:cBhvr>
+                                        <p:cTn id="41" dur="1" fill="hold">
+                                          <p:stCondLst>
+                                            <p:cond delay="0"/>
+                                          </p:stCondLst>
+                                        </p:cTn>
+                                        <p:tgtEl>
+                                          <p:spTgt spid="12"/>
+                                        </p:tgtEl>
+                                        <p:attrNameLst>
+                                          <p:attrName>style.visibility</p:attrName>
+                                        </p:attrNameLst>
+                                      </p:cBhvr>
+                                      <p:to>
+                                        <p:strVal val="visible"/>
+                                      </p:to>
+                                    </p:set>
+                                  </p:childTnLst>
+                                </p:cTn>
+                              </p:par>
+                            </p:childTnLst>
+                          </p:cTn>
+                        </p:par>
+                        <p:par>
+                          <p:cTn id="42" fill="hold">
+                            <p:stCondLst>
+                              <p:cond delay="15250"/>
+                            </p:stCondLst>
+                            <p:childTnLst>
+                              <p:par>
+                                <p:cTn id="43" presetID="1" presetClass="exit" presetSubtype="0" fill="hold" grpId="1" nodeType="afterEffect">
+                                  <p:stCondLst>
+                                    <p:cond delay="3750"/>
+                                  </p:stCondLst>
+                                  <p:childTnLst>
+                                    <p:set>
+                                      <p:cBhvr>
+                                        <p:cTn id="44" dur="1" fill="hold">
+                                          <p:stCondLst>
+                                            <p:cond delay="0"/>
+                                          </p:stCondLst>
+                                        </p:cTn>
+                                        <p:tgtEl>
+                                          <p:spTgt spid="14"/>
+                                        </p:tgtEl>
+                                        <p:attrNameLst>
+                                          <p:attrName>style.visibility</p:attrName>
+                                        </p:attrNameLst>
+                                      </p:cBhvr>
+                                      <p:to>
+                                        <p:strVal val="hidden"/>
+                                      </p:to>
+                                    </p:set>
+                                  </p:childTnLst>
+                                </p:cTn>
+                              </p:par>
+                            </p:childTnLst>
+                          </p:cTn>
+                        </p:par>
+                        <p:par>
+                          <p:cTn id="45" fill="hold">
+                            <p:stCondLst>
+                              <p:cond delay="19000"/>
+                            </p:stCondLst>
+                            <p:childTnLst>
+                              <p:par>
+                                <p:cTn id="46" presetID="0" presetClass="path" presetSubtype="0" accel="50000" decel="50000" fill="hold" nodeType="afterEffect">
+                                  <p:stCondLst>
+                                    <p:cond delay="0"/>
+                                  </p:stCondLst>
+                                  <p:childTnLst>
+                                    <p:animMotion origin="layout" path="M -5.83333E-6 -4.81481E-6 L 0.27881 -0.17361 L 0.24687 -0.28287 " pathEditMode="relative" ptsTypes="AAA">
+                                      <p:cBhvr>
+                                        <p:cTn id="47" dur="2000" fill="hold"/>
+                                        <p:tgtEl>
+                                          <p:spTgt spid="12"/>
+                                        </p:tgtEl>
+                                        <p:attrNameLst>
+                                          <p:attrName>ppt_x</p:attrName>
+                                          <p:attrName>ppt_y</p:attrName>
+                                        </p:attrNameLst>
+                                      </p:cBhvr>
+                                    </p:animMotion>
+                                  </p:childTnLst>
+                                </p:cTn>
+                              </p:par>
+                            </p:childTnLst>
+                          </p:cTn>
+                        </p:par>
+                        <p:par>
+                          <p:cTn id="48" fill="hold">
+                            <p:stCondLst>
+                              <p:cond delay="21000"/>
+                            </p:stCondLst>
+                            <p:childTnLst>
+                              <p:par>
+                                <p:cTn id="49" presetID="1" presetClass="entr" presetSubtype="0" fill="hold" grpId="0" nodeType="afterEffect">
+                                  <p:stCondLst>
+                                    <p:cond delay="0"/>
+                                  </p:stCondLst>
+                                  <p:childTnLst>
+                                    <p:set>
+                                      <p:cBhvr>
+                                        <p:cTn id="50" dur="1" fill="hold">
+                                          <p:stCondLst>
+                                            <p:cond delay="0"/>
+                                          </p:stCondLst>
+                                        </p:cTn>
+                                        <p:tgtEl>
+                                          <p:spTgt spid="26"/>
+                                        </p:tgtEl>
+                                        <p:attrNameLst>
+                                          <p:attrName>style.visibility</p:attrName>
+                                        </p:attrNameLst>
+                                      </p:cBhvr>
+                                      <p:to>
+                                        <p:strVal val="visible"/>
+                                      </p:to>
+                                    </p:set>
+                                  </p:childTnLst>
+                                </p:cTn>
+                              </p:par>
+                            </p:childTnLst>
+                          </p:cTn>
+                        </p:par>
+                        <p:par>
+                          <p:cTn id="51" fill="hold">
+                            <p:stCondLst>
+                              <p:cond delay="21000"/>
+                            </p:stCondLst>
+                            <p:childTnLst>
+                              <p:par>
+                                <p:cTn id="52" presetID="1" presetClass="exit" presetSubtype="0" fill="hold" grpId="1" nodeType="afterEffect">
+                                  <p:stCondLst>
+                                    <p:cond delay="3500"/>
+                                  </p:stCondLst>
+                                  <p:childTnLst>
+                                    <p:set>
+                                      <p:cBhvr>
+                                        <p:cTn id="53" dur="1" fill="hold">
+                                          <p:stCondLst>
+                                            <p:cond delay="0"/>
+                                          </p:stCondLst>
+                                        </p:cTn>
+                                        <p:tgtEl>
+                                          <p:spTgt spid="26"/>
+                                        </p:tgtEl>
+                                        <p:attrNameLst>
+                                          <p:attrName>style.visibility</p:attrName>
+                                        </p:attrNameLst>
+                                      </p:cBhvr>
+                                      <p:to>
+                                        <p:strVal val="hidden"/>
+                                      </p:to>
+                                    </p:set>
+                                  </p:childTnLst>
+                                </p:cTn>
+                              </p:par>
+                            </p:childTnLst>
+                          </p:cTn>
+                        </p:par>
+                        <p:par>
+                          <p:cTn id="54" fill="hold">
+                            <p:stCondLst>
+                              <p:cond delay="24500"/>
+                            </p:stCondLst>
+                            <p:childTnLst>
+                              <p:par>
+                                <p:cTn id="55" presetID="1" presetClass="entr" presetSubtype="0" fill="hold" nodeType="afterEffect">
+                                  <p:stCondLst>
+                                    <p:cond delay="100"/>
+                                  </p:stCondLst>
+                                  <p:childTnLst>
+                                    <p:set>
+                                      <p:cBhvr>
+                                        <p:cTn id="56" dur="1" fill="hold">
+                                          <p:stCondLst>
+                                            <p:cond delay="0"/>
+                                          </p:stCondLst>
+                                        </p:cTn>
+                                        <p:tgtEl>
+                                          <p:spTgt spid="2053"/>
+                                        </p:tgtEl>
+                                        <p:attrNameLst>
+                                          <p:attrName>style.visibility</p:attrName>
+                                        </p:attrNameLst>
+                                      </p:cBhvr>
+                                      <p:to>
+                                        <p:strVal val="visible"/>
+                                      </p:to>
+                                    </p:set>
+                                  </p:childTnLst>
+                                </p:cTn>
+                              </p:par>
+                            </p:childTnLst>
+                          </p:cTn>
+                        </p:par>
+                        <p:par>
+                          <p:cTn id="57" fill="hold">
+                            <p:stCondLst>
+                              <p:cond delay="24600"/>
+                            </p:stCondLst>
+                            <p:childTnLst>
+                              <p:par>
+                                <p:cTn id="58" presetID="1" presetClass="entr" presetSubtype="0" fill="hold" grpId="0" nodeType="afterEffect">
+                                  <p:stCondLst>
+                                    <p:cond delay="0"/>
+                                  </p:stCondLst>
+                                  <p:childTnLst>
+                                    <p:set>
+                                      <p:cBhvr>
+                                        <p:cTn id="59" dur="1" fill="hold">
+                                          <p:stCondLst>
+                                            <p:cond delay="0"/>
+                                          </p:stCondLst>
+                                        </p:cTn>
+                                        <p:tgtEl>
+                                          <p:spTgt spid="25"/>
+                                        </p:tgtEl>
+                                        <p:attrNameLst>
+                                          <p:attrName>style.visibility</p:attrName>
+                                        </p:attrNameLst>
+                                      </p:cBhvr>
+                                      <p:to>
+                                        <p:strVal val="visible"/>
+                                      </p:to>
+                                    </p:set>
+                                  </p:childTnLst>
+                                </p:cTn>
+                              </p:par>
+                              <p:par>
+                                <p:cTn id="60" presetID="1" presetClass="entr" presetSubtype="0" fill="hold" nodeType="withEffect">
+                                  <p:stCondLst>
+                                    <p:cond delay="100"/>
+                                  </p:stCondLst>
+                                  <p:childTnLst>
+                                    <p:set>
+                                      <p:cBhvr>
+                                        <p:cTn id="61" dur="1" fill="hold">
+                                          <p:stCondLst>
+                                            <p:cond delay="0"/>
+                                          </p:stCondLst>
+                                        </p:cTn>
+                                        <p:tgtEl>
+                                          <p:spTgt spid="2064"/>
+                                        </p:tgtEl>
+                                        <p:attrNameLst>
+                                          <p:attrName>style.visibility</p:attrName>
+                                        </p:attrNameLst>
+                                      </p:cBhvr>
+                                      <p:to>
+                                        <p:strVal val="visible"/>
+                                      </p:to>
+                                    </p:set>
+                                  </p:childTnLst>
+                                </p:cTn>
+                              </p:par>
+                              <p:par>
+                                <p:cTn id="62" presetID="1" presetClass="entr" presetSubtype="0" fill="hold" grpId="0" nodeType="withEffect">
+                                  <p:stCondLst>
+                                    <p:cond delay="100"/>
+                                  </p:stCondLst>
+                                  <p:childTnLst>
+                                    <p:set>
+                                      <p:cBhvr>
+                                        <p:cTn id="63" dur="1" fill="hold">
+                                          <p:stCondLst>
+                                            <p:cond delay="0"/>
+                                          </p:stCondLst>
+                                        </p:cTn>
+                                        <p:tgtEl>
+                                          <p:spTgt spid="27"/>
+                                        </p:tgtEl>
+                                        <p:attrNameLst>
+                                          <p:attrName>style.visibility</p:attrName>
+                                        </p:attrNameLst>
+                                      </p:cBhvr>
+                                      <p:to>
+                                        <p:strVal val="visible"/>
+                                      </p:to>
+                                    </p:set>
+                                  </p:childTnLst>
+                                </p:cTn>
+                              </p:par>
+                              <p:par>
+                                <p:cTn id="64" presetID="1" presetClass="entr" presetSubtype="0" fill="hold" grpId="0" nodeType="withEffect">
+                                  <p:stCondLst>
+                                    <p:cond delay="100"/>
+                                  </p:stCondLst>
+                                  <p:childTnLst>
+                                    <p:set>
+                                      <p:cBhvr>
+                                        <p:cTn id="65" dur="1" fill="hold">
+                                          <p:stCondLst>
+                                            <p:cond delay="0"/>
+                                          </p:stCondLst>
+                                        </p:cTn>
+                                        <p:tgtEl>
+                                          <p:spTgt spid="16"/>
+                                        </p:tgtEl>
+                                        <p:attrNameLst>
+                                          <p:attrName>style.visibility</p:attrName>
+                                        </p:attrNameLst>
+                                      </p:cBhvr>
+                                      <p:to>
+                                        <p:strVal val="visible"/>
+                                      </p:to>
+                                    </p:set>
+                                  </p:childTnLst>
+                                </p:cTn>
+                              </p:par>
+                            </p:childTnLst>
+                          </p:cTn>
+                        </p:par>
+                        <p:par>
+                          <p:cTn id="66" fill="hold">
+                            <p:stCondLst>
+                              <p:cond delay="24700"/>
+                            </p:stCondLst>
+                            <p:childTnLst>
+                              <p:par>
+                                <p:cTn id="67" presetID="1" presetClass="exit" presetSubtype="0" fill="hold" grpId="1" nodeType="afterEffect">
+                                  <p:stCondLst>
+                                    <p:cond delay="3900"/>
+                                  </p:stCondLst>
+                                  <p:childTnLst>
+                                    <p:set>
+                                      <p:cBhvr>
+                                        <p:cTn id="68" dur="1" fill="hold">
+                                          <p:stCondLst>
+                                            <p:cond delay="0"/>
+                                          </p:stCondLst>
+                                        </p:cTn>
+                                        <p:tgtEl>
+                                          <p:spTgt spid="25"/>
+                                        </p:tgtEl>
+                                        <p:attrNameLst>
+                                          <p:attrName>style.visibility</p:attrName>
+                                        </p:attrNameLst>
+                                      </p:cBhvr>
+                                      <p:to>
+                                        <p:strVal val="hidden"/>
+                                      </p:to>
+                                    </p:set>
+                                  </p:childTnLst>
+                                </p:cTn>
+                              </p:par>
+                              <p:par>
+                                <p:cTn id="69" presetID="1" presetClass="exit" presetSubtype="0" fill="hold" nodeType="withEffect">
+                                  <p:stCondLst>
+                                    <p:cond delay="3900"/>
+                                  </p:stCondLst>
+                                  <p:childTnLst>
+                                    <p:set>
+                                      <p:cBhvr>
+                                        <p:cTn id="70" dur="1" fill="hold">
+                                          <p:stCondLst>
+                                            <p:cond delay="0"/>
+                                          </p:stCondLst>
+                                        </p:cTn>
+                                        <p:tgtEl>
+                                          <p:spTgt spid="2053"/>
+                                        </p:tgtEl>
+                                        <p:attrNameLst>
+                                          <p:attrName>style.visibility</p:attrName>
+                                        </p:attrNameLst>
+                                      </p:cBhvr>
+                                      <p:to>
+                                        <p:strVal val="hidden"/>
+                                      </p:to>
+                                    </p:set>
+                                  </p:childTnLst>
+                                </p:cTn>
+                              </p:par>
+                              <p:par>
+                                <p:cTn id="71" presetID="1" presetClass="exit" presetSubtype="0" fill="hold" nodeType="withEffect">
+                                  <p:stCondLst>
+                                    <p:cond delay="3900"/>
+                                  </p:stCondLst>
+                                  <p:childTnLst>
+                                    <p:set>
+                                      <p:cBhvr>
+                                        <p:cTn id="72" dur="1" fill="hold">
+                                          <p:stCondLst>
+                                            <p:cond delay="0"/>
+                                          </p:stCondLst>
+                                        </p:cTn>
+                                        <p:tgtEl>
+                                          <p:spTgt spid="2064"/>
+                                        </p:tgtEl>
+                                        <p:attrNameLst>
+                                          <p:attrName>style.visibility</p:attrName>
+                                        </p:attrNameLst>
+                                      </p:cBhvr>
+                                      <p:to>
+                                        <p:strVal val="hidden"/>
+                                      </p:to>
+                                    </p:set>
+                                  </p:childTnLst>
+                                </p:cTn>
+                              </p:par>
+                              <p:par>
+                                <p:cTn id="73" presetID="1" presetClass="exit" presetSubtype="0" fill="hold" grpId="1" nodeType="withEffect">
+                                  <p:stCondLst>
+                                    <p:cond delay="3900"/>
+                                  </p:stCondLst>
+                                  <p:childTnLst>
+                                    <p:set>
+                                      <p:cBhvr>
+                                        <p:cTn id="74" dur="1" fill="hold">
+                                          <p:stCondLst>
+                                            <p:cond delay="0"/>
+                                          </p:stCondLst>
+                                        </p:cTn>
+                                        <p:tgtEl>
+                                          <p:spTgt spid="27"/>
+                                        </p:tgtEl>
+                                        <p:attrNameLst>
+                                          <p:attrName>style.visibility</p:attrName>
+                                        </p:attrNameLst>
+                                      </p:cBhvr>
+                                      <p:to>
+                                        <p:strVal val="hidden"/>
+                                      </p:to>
+                                    </p:set>
+                                  </p:childTnLst>
+                                </p:cTn>
+                              </p:par>
+                              <p:par>
+                                <p:cTn id="75" presetID="1" presetClass="exit" presetSubtype="0" fill="hold" grpId="1" nodeType="withEffect">
+                                  <p:stCondLst>
+                                    <p:cond delay="3900"/>
+                                  </p:stCondLst>
+                                  <p:childTnLst>
+                                    <p:set>
+                                      <p:cBhvr>
+                                        <p:cTn id="76" dur="1" fill="hold">
+                                          <p:stCondLst>
+                                            <p:cond delay="0"/>
+                                          </p:stCondLst>
+                                        </p:cTn>
+                                        <p:tgtEl>
+                                          <p:spTgt spid="16"/>
+                                        </p:tgtEl>
+                                        <p:attrNameLst>
+                                          <p:attrName>style.visibility</p:attrName>
+                                        </p:attrNameLst>
+                                      </p:cBhvr>
+                                      <p:to>
+                                        <p:strVal val="hidden"/>
+                                      </p:to>
+                                    </p:set>
+                                  </p:childTnLst>
+                                </p:cTn>
+                              </p:par>
+                            </p:childTnLst>
+                          </p:cTn>
+                        </p:par>
+                        <p:par>
+                          <p:cTn id="77" fill="hold">
+                            <p:stCondLst>
+                              <p:cond delay="28600"/>
+                            </p:stCondLst>
+                            <p:childTnLst>
+                              <p:par>
+                                <p:cTn id="78" presetID="0" presetClass="path" presetSubtype="0" accel="50000" decel="50000" fill="hold" nodeType="afterEffect">
+                                  <p:stCondLst>
+                                    <p:cond delay="0"/>
+                                  </p:stCondLst>
+                                  <p:childTnLst>
+                                    <p:animMotion origin="layout" path="M 0.25226 -0.28416 L 0.32847 -0.30751 " pathEditMode="relative" ptsTypes="AA">
+                                      <p:cBhvr>
+                                        <p:cTn id="79" dur="2000" fill="hold"/>
+                                        <p:tgtEl>
+                                          <p:spTgt spid="12"/>
+                                        </p:tgtEl>
+                                        <p:attrNameLst>
+                                          <p:attrName>ppt_x</p:attrName>
+                                          <p:attrName>ppt_y</p:attrName>
+                                        </p:attrNameLst>
+                                      </p:cBhvr>
+                                    </p:animMotion>
+                                  </p:childTnLst>
+                                </p:cTn>
+                              </p:par>
+                            </p:childTnLst>
+                          </p:cTn>
+                        </p:par>
+                        <p:par>
+                          <p:cTn id="80" fill="hold">
+                            <p:stCondLst>
+                              <p:cond delay="30600"/>
+                            </p:stCondLst>
+                            <p:childTnLst>
+                              <p:par>
+                                <p:cTn id="81" presetID="10" presetClass="exit" presetSubtype="0" fill="hold" nodeType="afterEffect">
+                                  <p:stCondLst>
+                                    <p:cond delay="0"/>
+                                  </p:stCondLst>
+                                  <p:childTnLst>
+                                    <p:animEffect transition="out" filter="fade">
+                                      <p:cBhvr>
+                                        <p:cTn id="82" dur="700"/>
+                                        <p:tgtEl>
+                                          <p:spTgt spid="10"/>
+                                        </p:tgtEl>
+                                      </p:cBhvr>
+                                    </p:animEffect>
+                                    <p:set>
+                                      <p:cBhvr>
+                                        <p:cTn id="83" dur="1" fill="hold">
+                                          <p:stCondLst>
+                                            <p:cond delay="699"/>
+                                          </p:stCondLst>
+                                        </p:cTn>
+                                        <p:tgtEl>
+                                          <p:spTgt spid="10"/>
+                                        </p:tgtEl>
+                                        <p:attrNameLst>
+                                          <p:attrName>style.visibility</p:attrName>
+                                        </p:attrNameLst>
+                                      </p:cBhvr>
+                                      <p:to>
+                                        <p:strVal val="hidden"/>
+                                      </p:to>
+                                    </p:set>
+                                  </p:childTnLst>
+                                </p:cTn>
+                              </p:par>
+                            </p:childTnLst>
+                          </p:cTn>
+                        </p:par>
+                        <p:par>
+                          <p:cTn id="84" fill="hold">
+                            <p:stCondLst>
+                              <p:cond delay="31300"/>
+                            </p:stCondLst>
+                            <p:childTnLst>
+                              <p:par>
+                                <p:cTn id="85" presetID="0" presetClass="path" presetSubtype="0" accel="50000" decel="50000" fill="hold" nodeType="afterEffect">
+                                  <p:stCondLst>
+                                    <p:cond delay="0"/>
+                                  </p:stCondLst>
+                                  <p:childTnLst>
+                                    <p:animMotion origin="layout" path="M 0.32847 -0.30752 L 0.37291 -0.34983 L 0.31579 -0.47677 L 0.36649 -0.51908 L 0.38246 -0.48948 " pathEditMode="relative" ptsTypes="AAAAA">
+                                      <p:cBhvr>
+                                        <p:cTn id="86" dur="2000" fill="hold"/>
+                                        <p:tgtEl>
+                                          <p:spTgt spid="12"/>
+                                        </p:tgtEl>
+                                        <p:attrNameLst>
+                                          <p:attrName>ppt_x</p:attrName>
+                                          <p:attrName>ppt_y</p:attrName>
+                                        </p:attrNameLst>
+                                      </p:cBhvr>
+                                    </p:animMotion>
+                                  </p:childTnLst>
+                                </p:cTn>
+                              </p:par>
+                            </p:childTnLst>
+                          </p:cTn>
+                        </p:par>
+                      </p:childTnLst>
+                    </p:cTn>
+                  </p:par>
+                </p:childTnLst>
+              </p:cTn>
+              <p:prevCondLst>
+                <p:cond evt="onPrev" delay="0">
+                  <p:tgtEl>
+                    <p:sldTgt/>
+                  </p:tgtEl>
+                </p:cond>
+              </p:prevCondLst>
+              <p:nextCondLst>
+                <p:cond evt="onNext" delay="0">
+                  <p:tgtEl>
+                    <p:sldTgt/>
+                  </p:tgtEl>
+                </p:cond>
+              </p:nextCondLst>
+            </p:seq>
+          </p:childTnLst>
+        </p:cTn>
+      </p:par>
+    </p:tnLst>
+    <p:bldLst>
+      <p:bldP spid="4" grpId="0" animBg="1"/>
+      <p:bldP spid="4" grpId="1" animBg="1"/>
+      <p:bldP spid="6" grpId="0" animBg="1"/>
+      <p:bldP spid="6" grpId="1" animBg="1"/>
+      <p:bldP spid="8" grpId="0"/>
+      <p:bldP spid="8" grpId="1"/>
+      <p:bldP spid="13" grpId="0" animBg="1"/>
+      <p:bldP spid="13" grpId="1" animBg="1"/>
+      <p:bldP spid="14" grpId="0" animBg="1"/>
+      <p:bldP spid="14" grpId="1" animBg="1"/>
+      <p:bldP spid="16" grpId="0"/>
+      <p:bldP spid="16" grpId="1"/>
+      <p:bldP spid="25" grpId="0" animBg="1"/>
+      <p:bldP spid="25" grpId="1" animBg="1"/>
+      <p:bldP spid="26" grpId="0" animBg="1"/>
+      <p:bldP spid="26" grpId="1" animBg="1"/>
+      <p:bldP spid="27" grpId="0"/>
+      <p:bldP spid="27" grpId="1"/>
+    </p:bldLst>
+  </p:timing>
+</p:sld>
+</file>
+
+<file path=ppt/slides/slide3.xml><?xml version="1.0" encoding="utf-8"?>
+<p:sld xmlns:a="http://schemas.openxmlformats.org/drawingml/2006/main" xmlns:r="http://schemas.openxmlformats.org/officeDocument/2006/relationships" xmlns:mc="http://schemas.openxmlformats.org/markup-compatibility/2006" xmlns:mv="urn:schemas-microsoft-com:mac:vml" xmlns:p="http://schemas.openxmlformats.org/presentationml/2006/main" mc:Ignorable="mv" mc:PreserveAttributes="mv:*">
+  <p:cSld>
+    <p:spTree>
+      <p:nvGrpSpPr>
+        <p:cNvPr id="1" name=""/>
+        <p:cNvGrpSpPr/>
+        <p:nvPr/>
+      </p:nvGrpSpPr>
+      <p:grpSpPr>
+        <a:xfrm>
+          <a:off x="0" y="0"/>
+          <a:ext cx="0" cy="0"/>
+          <a:chOff x="0" y="0"/>
+          <a:chExt cx="0" cy="0"/>
+        </a:xfrm>
+      </p:grpSpPr>
+      <p:sp>
+        <p:nvSpPr>
+          <p:cNvPr id="2" name="Title 1"/>
+          <p:cNvSpPr>
+            <a:spLocks noGrp="1"/>
+          </p:cNvSpPr>
+          <p:nvPr>
             <p:ph type="title"/>
           </p:nvPr>
         </p:nvSpPr>
@@ -4032,7 +5998,7 @@
     </p:spTree>
     <p:extLst>
       <p:ext uri="{BB962C8B-B14F-4D97-AF65-F5344CB8AC3E}">
-        <p14:creationId xmlns:p14="http://schemas.microsoft.com/office/powerpoint/2010/main" xmlns:p="http://schemas.openxmlformats.org/presentationml/2006/main" xmlns:r="http://schemas.openxmlformats.org/officeDocument/2006/relationships" xmlns:a="http://schemas.openxmlformats.org/drawingml/2006/main" xmlns="" val="1276518690"/>
+        <p14:creationId xmlns="" xmlns:a="http://schemas.openxmlformats.org/drawingml/2006/main" xmlns:r="http://schemas.openxmlformats.org/officeDocument/2006/relationships" xmlns:p="http://schemas.openxmlformats.org/presentationml/2006/main" xmlns:p14="http://schemas.microsoft.com/office/powerpoint/2010/main" xmlns:mv="urn:schemas-microsoft-com:mac:vml" xmlns:mc="http://schemas.openxmlformats.org/markup-compatibility/2006" val="1276518690"/>
       </p:ext>
     </p:extLst>
   </p:cSld>
@@ -4049,7 +6015,7 @@
 </p:sld>
 </file>
 
-<file path=ppt/slides/slide2.xml><?xml version="1.0" encoding="utf-8"?>
+<file path=ppt/slides/slide4.xml><?xml version="1.0" encoding="utf-8"?>
 <p:sld xmlns:a="http://schemas.openxmlformats.org/drawingml/2006/main" xmlns:r="http://schemas.openxmlformats.org/officeDocument/2006/relationships" xmlns:mc="http://schemas.openxmlformats.org/markup-compatibility/2006" xmlns:mv="urn:schemas-microsoft-com:mac:vml" xmlns:p="http://schemas.openxmlformats.org/presentationml/2006/main" mc:Ignorable="mv" mc:PreserveAttributes="mv:*">
   <p:cSld>
     <p:spTree>
@@ -4222,7 +6188,7 @@
     </p:spTree>
     <p:extLst>
       <p:ext uri="{BB962C8B-B14F-4D97-AF65-F5344CB8AC3E}">
-        <p14:creationId xmlns:p14="http://schemas.microsoft.com/office/powerpoint/2010/main" xmlns:p="http://schemas.openxmlformats.org/presentationml/2006/main" xmlns:r="http://schemas.openxmlformats.org/officeDocument/2006/relationships" xmlns:a="http://schemas.openxmlformats.org/drawingml/2006/main" xmlns="" val="1321854054"/>
+        <p14:creationId xmlns="" xmlns:a="http://schemas.openxmlformats.org/drawingml/2006/main" xmlns:r="http://schemas.openxmlformats.org/officeDocument/2006/relationships" xmlns:p="http://schemas.openxmlformats.org/presentationml/2006/main" xmlns:p14="http://schemas.microsoft.com/office/powerpoint/2010/main" xmlns:mv="urn:schemas-microsoft-com:mac:vml" xmlns:mc="http://schemas.openxmlformats.org/markup-compatibility/2006" val="1321854054"/>
       </p:ext>
     </p:extLst>
   </p:cSld>
@@ -4239,7 +6205,7 @@
 </p:sld>
 </file>
 
-<file path=ppt/slides/slide3.xml><?xml version="1.0" encoding="utf-8"?>
+<file path=ppt/slides/slide5.xml><?xml version="1.0" encoding="utf-8"?>
 <p:sld xmlns:a="http://schemas.openxmlformats.org/drawingml/2006/main" xmlns:r="http://schemas.openxmlformats.org/officeDocument/2006/relationships" xmlns:mc="http://schemas.openxmlformats.org/markup-compatibility/2006" xmlns:mv="urn:schemas-microsoft-com:mac:vml" xmlns:p="http://schemas.openxmlformats.org/presentationml/2006/main" mc:Ignorable="mv" mc:PreserveAttributes="mv:*">
   <p:cSld>
     <p:spTree>
@@ -4445,386 +6411,7 @@
     </p:spTree>
     <p:extLst>
       <p:ext uri="{BB962C8B-B14F-4D97-AF65-F5344CB8AC3E}">
-        <p14:creationId xmlns:p14="http://schemas.microsoft.com/office/powerpoint/2010/main" xmlns:p="http://schemas.openxmlformats.org/presentationml/2006/main" xmlns:r="http://schemas.openxmlformats.org/officeDocument/2006/relationships" xmlns:a="http://schemas.openxmlformats.org/drawingml/2006/main" xmlns="" val="2279528592"/>
-      </p:ext>
-    </p:extLst>
-  </p:cSld>
-  <p:clrMapOvr>
-    <a:masterClrMapping/>
-  </p:clrMapOvr>
-  <p:timing>
-    <p:tnLst>
-      <p:par>
-        <p:cTn id="1" dur="indefinite" restart="never" nodeType="tmRoot"/>
-      </p:par>
-    </p:tnLst>
-  </p:timing>
-</p:sld>
-</file>
-
-<file path=ppt/slides/slide4.xml><?xml version="1.0" encoding="utf-8"?>
-<p:sld xmlns:a="http://schemas.openxmlformats.org/drawingml/2006/main" xmlns:r="http://schemas.openxmlformats.org/officeDocument/2006/relationships" xmlns:mc="http://schemas.openxmlformats.org/markup-compatibility/2006" xmlns:mv="urn:schemas-microsoft-com:mac:vml" xmlns:p="http://schemas.openxmlformats.org/presentationml/2006/main" mc:Ignorable="mv" mc:PreserveAttributes="mv:*">
-  <p:cSld>
-    <p:spTree>
-      <p:nvGrpSpPr>
-        <p:cNvPr id="1" name=""/>
-        <p:cNvGrpSpPr/>
-        <p:nvPr/>
-      </p:nvGrpSpPr>
-      <p:grpSpPr>
-        <a:xfrm>
-          <a:off x="0" y="0"/>
-          <a:ext cx="0" cy="0"/>
-          <a:chOff x="0" y="0"/>
-          <a:chExt cx="0" cy="0"/>
-        </a:xfrm>
-      </p:grpSpPr>
-      <p:sp>
-        <p:nvSpPr>
-          <p:cNvPr id="3" name="Content Placeholder 2"/>
-          <p:cNvSpPr>
-            <a:spLocks noGrp="1"/>
-          </p:cNvSpPr>
-          <p:nvPr>
-            <p:ph idx="1"/>
-          </p:nvPr>
-        </p:nvSpPr>
-        <p:spPr/>
-        <p:txBody>
-          <a:bodyPr>
-            <a:normAutofit lnSpcReduction="10000"/>
-          </a:bodyPr>
-          <a:lstStyle/>
-          <a:p>
-            <a:pPr marL="0" indent="0">
-              <a:buNone/>
-            </a:pPr>
-            <a:r>
-              <a:rPr lang="en-US" dirty="0" smtClean="0">
-                <a:solidFill>
-                  <a:schemeClr val="bg1">
-                    <a:lumMod val="50000"/>
-                  </a:schemeClr>
-                </a:solidFill>
-              </a:rPr>
-              <a:t>concepts</a:t>
-            </a:r>
-          </a:p>
-          <a:p>
-            <a:pPr marL="0" indent="0">
-              <a:buNone/>
-            </a:pPr>
-            <a:r>
-              <a:rPr lang="en-US" dirty="0"/>
-              <a:t>	</a:t>
-            </a:r>
-            <a:r>
-              <a:rPr lang="en-US" dirty="0" smtClean="0"/>
-              <a:t>map</a:t>
-            </a:r>
-          </a:p>
-          <a:p>
-            <a:pPr marL="0" indent="0">
-              <a:buNone/>
-            </a:pPr>
-            <a:r>
-              <a:rPr lang="en-US" dirty="0" smtClean="0"/>
-              <a:t>	offering</a:t>
-            </a:r>
-          </a:p>
-          <a:p>
-            <a:pPr marL="0" indent="0">
-              <a:buNone/>
-            </a:pPr>
-            <a:r>
-              <a:rPr lang="en-US" dirty="0"/>
-              <a:t>	</a:t>
-            </a:r>
-            <a:r>
-              <a:rPr lang="en-US" dirty="0" smtClean="0"/>
-              <a:t>pin</a:t>
-            </a:r>
-          </a:p>
-          <a:p>
-            <a:pPr marL="0" indent="0">
-              <a:buNone/>
-            </a:pPr>
-            <a:r>
-              <a:rPr lang="en-US" dirty="0" smtClean="0">
-                <a:solidFill>
-                  <a:schemeClr val="bg1">
-                    <a:lumMod val="50000"/>
-                  </a:schemeClr>
-                </a:solidFill>
-              </a:rPr>
-              <a:t>features</a:t>
-            </a:r>
-          </a:p>
-          <a:p>
-            <a:pPr marL="0" indent="0">
-              <a:buNone/>
-            </a:pPr>
-            <a:r>
-              <a:rPr lang="en-US" dirty="0">
-                <a:solidFill>
-                  <a:schemeClr val="bg1">
-                    <a:lumMod val="50000"/>
-                  </a:schemeClr>
-                </a:solidFill>
-              </a:rPr>
-              <a:t>	</a:t>
-            </a:r>
-            <a:r>
-              <a:rPr lang="en-US" dirty="0" smtClean="0">
-                <a:solidFill>
-                  <a:srgbClr val="000000"/>
-                </a:solidFill>
-              </a:rPr>
-              <a:t>grabs data from “free-food” email-list</a:t>
-            </a:r>
-          </a:p>
-          <a:p>
-            <a:pPr marL="0" indent="0">
-              <a:buNone/>
-            </a:pPr>
-            <a:r>
-              <a:rPr lang="en-US" dirty="0">
-                <a:solidFill>
-                  <a:srgbClr val="000000"/>
-                </a:solidFill>
-              </a:rPr>
-              <a:t>	</a:t>
-            </a:r>
-            <a:r>
-              <a:rPr lang="en-US" dirty="0" smtClean="0">
-                <a:solidFill>
-                  <a:srgbClr val="000000"/>
-                </a:solidFill>
-              </a:rPr>
-              <a:t>notifies users of nearby offerings</a:t>
-            </a:r>
-            <a:endParaRPr lang="en-US" dirty="0" smtClean="0">
-              <a:solidFill>
-                <a:schemeClr val="bg1">
-                  <a:lumMod val="50000"/>
-                </a:schemeClr>
-              </a:solidFill>
-            </a:endParaRPr>
-          </a:p>
-          <a:p>
-            <a:pPr marL="0" indent="0">
-              <a:buNone/>
-            </a:pPr>
-            <a:r>
-              <a:rPr lang="en-US" dirty="0" smtClean="0">
-                <a:solidFill>
-                  <a:schemeClr val="bg1">
-                    <a:lumMod val="50000"/>
-                  </a:schemeClr>
-                </a:solidFill>
-              </a:rPr>
-              <a:t>	</a:t>
-            </a:r>
-          </a:p>
-          <a:p>
-            <a:pPr marL="0" indent="0">
-              <a:buNone/>
-            </a:pPr>
-            <a:endParaRPr lang="en-US" dirty="0" smtClean="0"/>
-          </a:p>
-        </p:txBody>
-      </p:sp>
-      <p:sp>
-        <p:nvSpPr>
-          <p:cNvPr id="10" name="Title 1"/>
-          <p:cNvSpPr>
-            <a:spLocks noGrp="1"/>
-          </p:cNvSpPr>
-          <p:nvPr>
-            <p:ph type="title"/>
-          </p:nvPr>
-        </p:nvSpPr>
-        <p:spPr>
-          <a:xfrm>
-            <a:off x="457200" y="274638"/>
-            <a:ext cx="8229600" cy="1143000"/>
-          </a:xfrm>
-        </p:spPr>
-        <p:txBody>
-          <a:bodyPr/>
-          <a:lstStyle/>
-          <a:p>
-            <a:r>
-              <a:rPr lang="en-US" dirty="0" smtClean="0"/>
-              <a:t>Concepts &amp; Features</a:t>
-            </a:r>
-            <a:endParaRPr lang="en-US" dirty="0"/>
-          </a:p>
-        </p:txBody>
-      </p:sp>
-    </p:spTree>
-    <p:extLst>
-      <p:ext uri="{BB962C8B-B14F-4D97-AF65-F5344CB8AC3E}">
-        <p14:creationId xmlns:p14="http://schemas.microsoft.com/office/powerpoint/2010/main" xmlns:p="http://schemas.openxmlformats.org/presentationml/2006/main" xmlns:r="http://schemas.openxmlformats.org/officeDocument/2006/relationships" xmlns:a="http://schemas.openxmlformats.org/drawingml/2006/main" xmlns="" val="4093900153"/>
-      </p:ext>
-    </p:extLst>
-  </p:cSld>
-  <p:clrMapOvr>
-    <a:masterClrMapping/>
-  </p:clrMapOvr>
-  <p:timing>
-    <p:tnLst>
-      <p:par>
-        <p:cTn id="1" dur="indefinite" restart="never" nodeType="tmRoot"/>
-      </p:par>
-    </p:tnLst>
-  </p:timing>
-</p:sld>
-</file>
-
-<file path=ppt/slides/slide5.xml><?xml version="1.0" encoding="utf-8"?>
-<p:sld xmlns:a="http://schemas.openxmlformats.org/drawingml/2006/main" xmlns:r="http://schemas.openxmlformats.org/officeDocument/2006/relationships" xmlns:mc="http://schemas.openxmlformats.org/markup-compatibility/2006" xmlns:mv="urn:schemas-microsoft-com:mac:vml" xmlns:p="http://schemas.openxmlformats.org/presentationml/2006/main" mc:Ignorable="mv" mc:PreserveAttributes="mv:*">
-  <p:cSld>
-    <p:spTree>
-      <p:nvGrpSpPr>
-        <p:cNvPr id="1" name=""/>
-        <p:cNvGrpSpPr/>
-        <p:nvPr/>
-      </p:nvGrpSpPr>
-      <p:grpSpPr>
-        <a:xfrm>
-          <a:off x="0" y="0"/>
-          <a:ext cx="0" cy="0"/>
-          <a:chOff x="0" y="0"/>
-          <a:chExt cx="0" cy="0"/>
-        </a:xfrm>
-      </p:grpSpPr>
-      <p:sp>
-        <p:nvSpPr>
-          <p:cNvPr id="2" name="Title 1"/>
-          <p:cNvSpPr>
-            <a:spLocks noGrp="1"/>
-          </p:cNvSpPr>
-          <p:nvPr>
-            <p:ph type="title"/>
-          </p:nvPr>
-        </p:nvSpPr>
-        <p:spPr/>
-        <p:txBody>
-          <a:bodyPr/>
-          <a:lstStyle/>
-          <a:p>
-            <a:r>
-              <a:rPr lang="en-US" dirty="0" smtClean="0"/>
-              <a:t>Risks and Concerns</a:t>
-            </a:r>
-            <a:endParaRPr lang="en-US" dirty="0"/>
-          </a:p>
-        </p:txBody>
-      </p:sp>
-      <p:sp>
-        <p:nvSpPr>
-          <p:cNvPr id="3" name="Content Placeholder 2"/>
-          <p:cNvSpPr>
-            <a:spLocks noGrp="1"/>
-          </p:cNvSpPr>
-          <p:nvPr>
-            <p:ph idx="1"/>
-          </p:nvPr>
-        </p:nvSpPr>
-        <p:spPr/>
-        <p:txBody>
-          <a:bodyPr/>
-          <a:lstStyle/>
-          <a:p>
-            <a:pPr marL="0" indent="0">
-              <a:buNone/>
-            </a:pPr>
-            <a:r>
-              <a:rPr lang="en-US" dirty="0" smtClean="0">
-                <a:solidFill>
-                  <a:schemeClr val="bg1">
-                    <a:lumMod val="50000"/>
-                  </a:schemeClr>
-                </a:solidFill>
-              </a:rPr>
-              <a:t>design risks</a:t>
-            </a:r>
-          </a:p>
-          <a:p>
-            <a:pPr marL="0" indent="0">
-              <a:buNone/>
-            </a:pPr>
-            <a:r>
-              <a:rPr lang="en-US" dirty="0" smtClean="0"/>
-              <a:t>	faulty “pins” put off users</a:t>
-            </a:r>
-          </a:p>
-          <a:p>
-            <a:pPr marL="0" indent="0">
-              <a:buNone/>
-            </a:pPr>
-            <a:endParaRPr lang="en-US" dirty="0" smtClean="0"/>
-          </a:p>
-        </p:txBody>
-      </p:sp>
-      <p:sp>
-        <p:nvSpPr>
-          <p:cNvPr id="6" name="Oval Callout 5"/>
-          <p:cNvSpPr/>
-          <p:nvPr/>
-        </p:nvSpPr>
-        <p:spPr>
-          <a:xfrm>
-            <a:off x="5808908" y="1911375"/>
-            <a:ext cx="2225490" cy="792214"/>
-          </a:xfrm>
-          <a:prstGeom prst="wedgeEllipseCallout">
-            <a:avLst>
-              <a:gd name="adj1" fmla="val -66596"/>
-              <a:gd name="adj2" fmla="val 2182"/>
-            </a:avLst>
-          </a:prstGeom>
-        </p:spPr>
-        <p:style>
-          <a:lnRef idx="1">
-            <a:schemeClr val="accent1"/>
-          </a:lnRef>
-          <a:fillRef idx="3">
-            <a:schemeClr val="accent1"/>
-          </a:fillRef>
-          <a:effectRef idx="2">
-            <a:schemeClr val="accent1"/>
-          </a:effectRef>
-          <a:fontRef idx="minor">
-            <a:schemeClr val="lt1"/>
-          </a:fontRef>
-        </p:style>
-        <p:txBody>
-          <a:bodyPr rtlCol="0" anchor="ctr"/>
-          <a:lstStyle/>
-          <a:p>
-            <a:pPr algn="ctr"/>
-            <a:r>
-              <a:rPr lang="en-US" i="1" dirty="0" smtClean="0">
-                <a:solidFill>
-                  <a:srgbClr val="000000"/>
-                </a:solidFill>
-              </a:rPr>
-              <a:t>free banquet here!</a:t>
-            </a:r>
-            <a:endParaRPr lang="en-US" i="1" dirty="0">
-              <a:solidFill>
-                <a:srgbClr val="000000"/>
-              </a:solidFill>
-            </a:endParaRPr>
-          </a:p>
-        </p:txBody>
-      </p:sp>
-    </p:spTree>
-    <p:extLst>
-      <p:ext uri="{BB962C8B-B14F-4D97-AF65-F5344CB8AC3E}">
-        <p14:creationId xmlns:p14="http://schemas.microsoft.com/office/powerpoint/2010/main" xmlns:p="http://schemas.openxmlformats.org/presentationml/2006/main" xmlns:r="http://schemas.openxmlformats.org/officeDocument/2006/relationships" xmlns:a="http://schemas.openxmlformats.org/drawingml/2006/main" xmlns="" val="345258323"/>
+        <p14:creationId xmlns="" xmlns:a="http://schemas.openxmlformats.org/drawingml/2006/main" xmlns:r="http://schemas.openxmlformats.org/officeDocument/2006/relationships" xmlns:p="http://schemas.openxmlformats.org/presentationml/2006/main" xmlns:p14="http://schemas.microsoft.com/office/powerpoint/2010/main" xmlns:mv="urn:schemas-microsoft-com:mac:vml" xmlns:mc="http://schemas.openxmlformats.org/markup-compatibility/2006" val="2279528592"/>
       </p:ext>
     </p:extLst>
   </p:cSld>
@@ -4870,6 +6457,249 @@
         </p:nvSpPr>
         <p:spPr/>
         <p:txBody>
+          <a:bodyPr>
+            <a:normAutofit lnSpcReduction="10000"/>
+          </a:bodyPr>
+          <a:lstStyle/>
+          <a:p>
+            <a:pPr marL="0" indent="0">
+              <a:buNone/>
+            </a:pPr>
+            <a:r>
+              <a:rPr lang="en-US" dirty="0" smtClean="0">
+                <a:solidFill>
+                  <a:schemeClr val="bg1">
+                    <a:lumMod val="50000"/>
+                  </a:schemeClr>
+                </a:solidFill>
+              </a:rPr>
+              <a:t>concepts</a:t>
+            </a:r>
+          </a:p>
+          <a:p>
+            <a:pPr marL="0" indent="0">
+              <a:buNone/>
+            </a:pPr>
+            <a:r>
+              <a:rPr lang="en-US" dirty="0"/>
+              <a:t>	</a:t>
+            </a:r>
+            <a:r>
+              <a:rPr lang="en-US" dirty="0" smtClean="0"/>
+              <a:t>map</a:t>
+            </a:r>
+          </a:p>
+          <a:p>
+            <a:pPr marL="0" indent="0">
+              <a:buNone/>
+            </a:pPr>
+            <a:r>
+              <a:rPr lang="en-US" dirty="0" smtClean="0"/>
+              <a:t>	offering</a:t>
+            </a:r>
+          </a:p>
+          <a:p>
+            <a:pPr marL="0" indent="0">
+              <a:buNone/>
+            </a:pPr>
+            <a:r>
+              <a:rPr lang="en-US" dirty="0"/>
+              <a:t>	</a:t>
+            </a:r>
+            <a:r>
+              <a:rPr lang="en-US" dirty="0" smtClean="0"/>
+              <a:t>pin</a:t>
+            </a:r>
+          </a:p>
+          <a:p>
+            <a:pPr marL="0" indent="0">
+              <a:buNone/>
+            </a:pPr>
+            <a:r>
+              <a:rPr lang="en-US" dirty="0" smtClean="0">
+                <a:solidFill>
+                  <a:schemeClr val="bg1">
+                    <a:lumMod val="50000"/>
+                  </a:schemeClr>
+                </a:solidFill>
+              </a:rPr>
+              <a:t>features</a:t>
+            </a:r>
+          </a:p>
+          <a:p>
+            <a:pPr marL="0" indent="0">
+              <a:buNone/>
+            </a:pPr>
+            <a:r>
+              <a:rPr lang="en-US" dirty="0">
+                <a:solidFill>
+                  <a:schemeClr val="bg1">
+                    <a:lumMod val="50000"/>
+                  </a:schemeClr>
+                </a:solidFill>
+              </a:rPr>
+              <a:t>	</a:t>
+            </a:r>
+            <a:r>
+              <a:rPr lang="en-US" dirty="0" smtClean="0">
+                <a:solidFill>
+                  <a:srgbClr val="000000"/>
+                </a:solidFill>
+              </a:rPr>
+              <a:t>grabs data from “free-food” email-list</a:t>
+            </a:r>
+          </a:p>
+          <a:p>
+            <a:pPr marL="0" indent="0">
+              <a:buNone/>
+            </a:pPr>
+            <a:r>
+              <a:rPr lang="en-US" dirty="0">
+                <a:solidFill>
+                  <a:srgbClr val="000000"/>
+                </a:solidFill>
+              </a:rPr>
+              <a:t>	</a:t>
+            </a:r>
+            <a:r>
+              <a:rPr lang="en-US" dirty="0" smtClean="0">
+                <a:solidFill>
+                  <a:srgbClr val="000000"/>
+                </a:solidFill>
+              </a:rPr>
+              <a:t>notifies users of nearby offerings</a:t>
+            </a:r>
+            <a:endParaRPr lang="en-US" dirty="0" smtClean="0">
+              <a:solidFill>
+                <a:schemeClr val="bg1">
+                  <a:lumMod val="50000"/>
+                </a:schemeClr>
+              </a:solidFill>
+            </a:endParaRPr>
+          </a:p>
+          <a:p>
+            <a:pPr marL="0" indent="0">
+              <a:buNone/>
+            </a:pPr>
+            <a:r>
+              <a:rPr lang="en-US" dirty="0" smtClean="0">
+                <a:solidFill>
+                  <a:schemeClr val="bg1">
+                    <a:lumMod val="50000"/>
+                  </a:schemeClr>
+                </a:solidFill>
+              </a:rPr>
+              <a:t>	</a:t>
+            </a:r>
+          </a:p>
+          <a:p>
+            <a:pPr marL="0" indent="0">
+              <a:buNone/>
+            </a:pPr>
+            <a:endParaRPr lang="en-US" dirty="0" smtClean="0"/>
+          </a:p>
+        </p:txBody>
+      </p:sp>
+      <p:sp>
+        <p:nvSpPr>
+          <p:cNvPr id="10" name="Title 1"/>
+          <p:cNvSpPr>
+            <a:spLocks noGrp="1"/>
+          </p:cNvSpPr>
+          <p:nvPr>
+            <p:ph type="title"/>
+          </p:nvPr>
+        </p:nvSpPr>
+        <p:spPr>
+          <a:xfrm>
+            <a:off x="457200" y="274638"/>
+            <a:ext cx="8229600" cy="1143000"/>
+          </a:xfrm>
+        </p:spPr>
+        <p:txBody>
+          <a:bodyPr/>
+          <a:lstStyle/>
+          <a:p>
+            <a:r>
+              <a:rPr lang="en-US" dirty="0" smtClean="0"/>
+              <a:t>Concepts &amp; Features</a:t>
+            </a:r>
+            <a:endParaRPr lang="en-US" dirty="0"/>
+          </a:p>
+        </p:txBody>
+      </p:sp>
+    </p:spTree>
+    <p:extLst>
+      <p:ext uri="{BB962C8B-B14F-4D97-AF65-F5344CB8AC3E}">
+        <p14:creationId xmlns="" xmlns:a="http://schemas.openxmlformats.org/drawingml/2006/main" xmlns:r="http://schemas.openxmlformats.org/officeDocument/2006/relationships" xmlns:p="http://schemas.openxmlformats.org/presentationml/2006/main" xmlns:p14="http://schemas.microsoft.com/office/powerpoint/2010/main" xmlns:mv="urn:schemas-microsoft-com:mac:vml" xmlns:mc="http://schemas.openxmlformats.org/markup-compatibility/2006" val="4093900153"/>
+      </p:ext>
+    </p:extLst>
+  </p:cSld>
+  <p:clrMapOvr>
+    <a:masterClrMapping/>
+  </p:clrMapOvr>
+  <p:timing>
+    <p:tnLst>
+      <p:par>
+        <p:cTn id="1" dur="indefinite" restart="never" nodeType="tmRoot"/>
+      </p:par>
+    </p:tnLst>
+  </p:timing>
+</p:sld>
+</file>
+
+<file path=ppt/slides/slide7.xml><?xml version="1.0" encoding="utf-8"?>
+<p:sld xmlns:a="http://schemas.openxmlformats.org/drawingml/2006/main" xmlns:r="http://schemas.openxmlformats.org/officeDocument/2006/relationships" xmlns:mc="http://schemas.openxmlformats.org/markup-compatibility/2006" xmlns:mv="urn:schemas-microsoft-com:mac:vml" xmlns:p="http://schemas.openxmlformats.org/presentationml/2006/main" mc:Ignorable="mv" mc:PreserveAttributes="mv:*">
+  <p:cSld>
+    <p:spTree>
+      <p:nvGrpSpPr>
+        <p:cNvPr id="1" name=""/>
+        <p:cNvGrpSpPr/>
+        <p:nvPr/>
+      </p:nvGrpSpPr>
+      <p:grpSpPr>
+        <a:xfrm>
+          <a:off x="0" y="0"/>
+          <a:ext cx="0" cy="0"/>
+          <a:chOff x="0" y="0"/>
+          <a:chExt cx="0" cy="0"/>
+        </a:xfrm>
+      </p:grpSpPr>
+      <p:sp>
+        <p:nvSpPr>
+          <p:cNvPr id="2" name="Title 1"/>
+          <p:cNvSpPr>
+            <a:spLocks noGrp="1"/>
+          </p:cNvSpPr>
+          <p:nvPr>
+            <p:ph type="title"/>
+          </p:nvPr>
+        </p:nvSpPr>
+        <p:spPr/>
+        <p:txBody>
+          <a:bodyPr/>
+          <a:lstStyle/>
+          <a:p>
+            <a:r>
+              <a:rPr lang="en-US" dirty="0" smtClean="0"/>
+              <a:t>Risks and Concerns</a:t>
+            </a:r>
+            <a:endParaRPr lang="en-US" dirty="0"/>
+          </a:p>
+        </p:txBody>
+      </p:sp>
+      <p:sp>
+        <p:nvSpPr>
+          <p:cNvPr id="3" name="Content Placeholder 2"/>
+          <p:cNvSpPr>
+            <a:spLocks noGrp="1"/>
+          </p:cNvSpPr>
+          <p:nvPr>
+            <p:ph idx="1"/>
+          </p:nvPr>
+        </p:nvSpPr>
+        <p:spPr/>
+        <p:txBody>
           <a:bodyPr/>
           <a:lstStyle/>
           <a:p>
@@ -4900,6 +6730,142 @@
             <a:pPr marL="0" indent="0">
               <a:buNone/>
             </a:pPr>
+            <a:endParaRPr lang="en-US" dirty="0" smtClean="0"/>
+          </a:p>
+        </p:txBody>
+      </p:sp>
+      <p:sp>
+        <p:nvSpPr>
+          <p:cNvPr id="6" name="Oval Callout 5"/>
+          <p:cNvSpPr/>
+          <p:nvPr/>
+        </p:nvSpPr>
+        <p:spPr>
+          <a:xfrm>
+            <a:off x="5808908" y="1911375"/>
+            <a:ext cx="2225490" cy="792214"/>
+          </a:xfrm>
+          <a:prstGeom prst="wedgeEllipseCallout">
+            <a:avLst>
+              <a:gd name="adj1" fmla="val -66596"/>
+              <a:gd name="adj2" fmla="val 2182"/>
+            </a:avLst>
+          </a:prstGeom>
+        </p:spPr>
+        <p:style>
+          <a:lnRef idx="1">
+            <a:schemeClr val="accent1"/>
+          </a:lnRef>
+          <a:fillRef idx="3">
+            <a:schemeClr val="accent1"/>
+          </a:fillRef>
+          <a:effectRef idx="2">
+            <a:schemeClr val="accent1"/>
+          </a:effectRef>
+          <a:fontRef idx="minor">
+            <a:schemeClr val="lt1"/>
+          </a:fontRef>
+        </p:style>
+        <p:txBody>
+          <a:bodyPr rtlCol="0" anchor="ctr"/>
+          <a:lstStyle/>
+          <a:p>
+            <a:pPr algn="ctr"/>
+            <a:r>
+              <a:rPr lang="en-US" i="1" dirty="0" smtClean="0">
+                <a:solidFill>
+                  <a:srgbClr val="000000"/>
+                </a:solidFill>
+              </a:rPr>
+              <a:t>free banquet here!</a:t>
+            </a:r>
+            <a:endParaRPr lang="en-US" i="1" dirty="0">
+              <a:solidFill>
+                <a:srgbClr val="000000"/>
+              </a:solidFill>
+            </a:endParaRPr>
+          </a:p>
+        </p:txBody>
+      </p:sp>
+    </p:spTree>
+    <p:extLst>
+      <p:ext uri="{BB962C8B-B14F-4D97-AF65-F5344CB8AC3E}">
+        <p14:creationId xmlns="" xmlns:a="http://schemas.openxmlformats.org/drawingml/2006/main" xmlns:r="http://schemas.openxmlformats.org/officeDocument/2006/relationships" xmlns:p="http://schemas.openxmlformats.org/presentationml/2006/main" xmlns:p14="http://schemas.microsoft.com/office/powerpoint/2010/main" xmlns:mv="urn:schemas-microsoft-com:mac:vml" xmlns:mc="http://schemas.openxmlformats.org/markup-compatibility/2006" val="345258323"/>
+      </p:ext>
+    </p:extLst>
+  </p:cSld>
+  <p:clrMapOvr>
+    <a:masterClrMapping/>
+  </p:clrMapOvr>
+  <p:timing>
+    <p:tnLst>
+      <p:par>
+        <p:cTn id="1" dur="indefinite" restart="never" nodeType="tmRoot"/>
+      </p:par>
+    </p:tnLst>
+  </p:timing>
+</p:sld>
+</file>
+
+<file path=ppt/slides/slide8.xml><?xml version="1.0" encoding="utf-8"?>
+<p:sld xmlns:a="http://schemas.openxmlformats.org/drawingml/2006/main" xmlns:r="http://schemas.openxmlformats.org/officeDocument/2006/relationships" xmlns:mc="http://schemas.openxmlformats.org/markup-compatibility/2006" xmlns:mv="urn:schemas-microsoft-com:mac:vml" xmlns:p="http://schemas.openxmlformats.org/presentationml/2006/main" mc:Ignorable="mv" mc:PreserveAttributes="mv:*">
+  <p:cSld>
+    <p:spTree>
+      <p:nvGrpSpPr>
+        <p:cNvPr id="1" name=""/>
+        <p:cNvGrpSpPr/>
+        <p:nvPr/>
+      </p:nvGrpSpPr>
+      <p:grpSpPr>
+        <a:xfrm>
+          <a:off x="0" y="0"/>
+          <a:ext cx="0" cy="0"/>
+          <a:chOff x="0" y="0"/>
+          <a:chExt cx="0" cy="0"/>
+        </a:xfrm>
+      </p:grpSpPr>
+      <p:sp>
+        <p:nvSpPr>
+          <p:cNvPr id="3" name="Content Placeholder 2"/>
+          <p:cNvSpPr>
+            <a:spLocks noGrp="1"/>
+          </p:cNvSpPr>
+          <p:nvPr>
+            <p:ph idx="1"/>
+          </p:nvPr>
+        </p:nvSpPr>
+        <p:spPr/>
+        <p:txBody>
+          <a:bodyPr/>
+          <a:lstStyle/>
+          <a:p>
+            <a:pPr marL="0" indent="0">
+              <a:buNone/>
+            </a:pPr>
+            <a:r>
+              <a:rPr lang="en-US" dirty="0" smtClean="0">
+                <a:solidFill>
+                  <a:schemeClr val="bg1">
+                    <a:lumMod val="50000"/>
+                  </a:schemeClr>
+                </a:solidFill>
+              </a:rPr>
+              <a:t>design risks</a:t>
+            </a:r>
+          </a:p>
+          <a:p>
+            <a:pPr marL="0" indent="0">
+              <a:buNone/>
+            </a:pPr>
+            <a:r>
+              <a:rPr lang="en-US" dirty="0" smtClean="0"/>
+              <a:t>	faulty “pins” put off users</a:t>
+            </a:r>
+          </a:p>
+          <a:p>
+            <a:pPr marL="0" indent="0">
+              <a:buNone/>
+            </a:pPr>
             <a:r>
               <a:rPr lang="en-US" dirty="0" smtClean="0">
                 <a:solidFill>
@@ -4934,7 +6900,7 @@
       </p:sp>
       <p:grpSp>
         <p:nvGrpSpPr>
-          <p:cNvPr id="20" name="Group 19"/>
+          <p:cNvPr id="2" name="Group 19"/>
           <p:cNvGrpSpPr/>
           <p:nvPr/>
         </p:nvGrpSpPr>
@@ -5277,7 +7243,7 @@
     </p:spTree>
     <p:extLst>
       <p:ext uri="{BB962C8B-B14F-4D97-AF65-F5344CB8AC3E}">
-        <p14:creationId xmlns:p14="http://schemas.microsoft.com/office/powerpoint/2010/main" xmlns:p="http://schemas.openxmlformats.org/presentationml/2006/main" xmlns:r="http://schemas.openxmlformats.org/officeDocument/2006/relationships" xmlns:a="http://schemas.openxmlformats.org/drawingml/2006/main" xmlns="" val="3995277861"/>
+        <p14:creationId xmlns="" xmlns:a="http://schemas.openxmlformats.org/drawingml/2006/main" xmlns:r="http://schemas.openxmlformats.org/officeDocument/2006/relationships" xmlns:p="http://schemas.openxmlformats.org/presentationml/2006/main" xmlns:p14="http://schemas.microsoft.com/office/powerpoint/2010/main" xmlns:mv="urn:schemas-microsoft-com:mac:vml" xmlns:mc="http://schemas.openxmlformats.org/markup-compatibility/2006" val="3995277861"/>
       </p:ext>
     </p:extLst>
   </p:cSld>
@@ -5294,7 +7260,7 @@
 </p:sld>
 </file>
 
-<file path=ppt/slides/slide7.xml><?xml version="1.0" encoding="utf-8"?>
+<file path=ppt/slides/slide9.xml><?xml version="1.0" encoding="utf-8"?>
 <p:sld xmlns:a="http://schemas.openxmlformats.org/drawingml/2006/main" xmlns:r="http://schemas.openxmlformats.org/officeDocument/2006/relationships" xmlns:mc="http://schemas.openxmlformats.org/markup-compatibility/2006" xmlns:mv="urn:schemas-microsoft-com:mac:vml" xmlns:p="http://schemas.openxmlformats.org/presentationml/2006/main" mc:Ignorable="mv" mc:PreserveAttributes="mv:*">
   <p:cSld>
     <p:spTree>
@@ -5507,7 +7473,7 @@
     </p:spTree>
     <p:extLst>
       <p:ext uri="{BB962C8B-B14F-4D97-AF65-F5344CB8AC3E}">
-        <p14:creationId xmlns:p14="http://schemas.microsoft.com/office/powerpoint/2010/main" xmlns:p="http://schemas.openxmlformats.org/presentationml/2006/main" xmlns:r="http://schemas.openxmlformats.org/officeDocument/2006/relationships" xmlns:a="http://schemas.openxmlformats.org/drawingml/2006/main" xmlns="" val="3438072207"/>
+        <p14:creationId xmlns="" xmlns:a="http://schemas.openxmlformats.org/drawingml/2006/main" xmlns:r="http://schemas.openxmlformats.org/officeDocument/2006/relationships" xmlns:p="http://schemas.openxmlformats.org/presentationml/2006/main" xmlns:p14="http://schemas.microsoft.com/office/powerpoint/2010/main" xmlns:mv="urn:schemas-microsoft-com:mac:vml" xmlns:mc="http://schemas.openxmlformats.org/markup-compatibility/2006" val="3438072207"/>
       </p:ext>
     </p:extLst>
   </p:cSld>
@@ -5669,16 +7635,20 @@
           <a:gsLst>
             <a:gs pos="0">
               <a:schemeClr val="phClr">
-                <a:tint val="100000"/>
-                <a:shade val="100000"/>
+                <a:shade val="51000"/>
+                <a:satMod val="130000"/>
+              </a:schemeClr>
+            </a:gs>
+            <a:gs pos="80000">
+              <a:schemeClr val="phClr">
+                <a:shade val="93000"/>
                 <a:satMod val="130000"/>
               </a:schemeClr>
             </a:gs>
             <a:gs pos="100000">
               <a:schemeClr val="phClr">
-                <a:tint val="50000"/>
-                <a:shade val="100000"/>
-                <a:satMod val="350000"/>
+                <a:shade val="94000"/>
+                <a:satMod val="135000"/>
               </a:schemeClr>
             </a:gs>
           </a:gsLst>
@@ -5800,46 +7770,7 @@
       </a:bgFillStyleLst>
     </a:fmtScheme>
   </a:themeElements>
-  <a:objectDefaults>
-    <a:spDef>
-      <a:spPr/>
-      <a:bodyPr/>
-      <a:lstStyle/>
-      <a:style>
-        <a:lnRef idx="1">
-          <a:schemeClr val="accent1"/>
-        </a:lnRef>
-        <a:fillRef idx="3">
-          <a:schemeClr val="accent1"/>
-        </a:fillRef>
-        <a:effectRef idx="2">
-          <a:schemeClr val="accent1"/>
-        </a:effectRef>
-        <a:fontRef idx="minor">
-          <a:schemeClr val="lt1"/>
-        </a:fontRef>
-      </a:style>
-    </a:spDef>
-    <a:lnDef>
-      <a:spPr/>
-      <a:bodyPr/>
-      <a:lstStyle/>
-      <a:style>
-        <a:lnRef idx="2">
-          <a:schemeClr val="accent1"/>
-        </a:lnRef>
-        <a:fillRef idx="0">
-          <a:schemeClr val="accent1"/>
-        </a:fillRef>
-        <a:effectRef idx="1">
-          <a:schemeClr val="accent1"/>
-        </a:effectRef>
-        <a:fontRef idx="minor">
-          <a:schemeClr val="tx1"/>
-        </a:fontRef>
-      </a:style>
-    </a:lnDef>
-  </a:objectDefaults>
+  <a:objectDefaults/>
   <a:extraClrSchemeLst/>
 </a:theme>
 </file>
@@ -5919,7 +7850,6 @@
         <a:font script="Mong" typeface="Mongolian Baiti"/>
         <a:font script="Viet" typeface="Times New Roman"/>
         <a:font script="Uigh" typeface="Microsoft Uighur"/>
-        <a:font script="Geor" typeface="Sylfaen"/>
       </a:majorFont>
       <a:minorFont>
         <a:latin typeface="Calibri"/>
@@ -5954,7 +7884,6 @@
         <a:font script="Mong" typeface="Mongolian Baiti"/>
         <a:font script="Viet" typeface="Arial"/>
         <a:font script="Uigh" typeface="Microsoft Uighur"/>
-        <a:font script="Geor" typeface="Sylfaen"/>
       </a:minorFont>
     </a:fontScheme>
     <a:fmtScheme name="Office">
